--- a/pictures.pptx
+++ b/pictures.pptx
@@ -3230,8 +3230,12 @@
             <a:avLst/>
           </a:prstGeom>
           <a:ln>
+            <a:solidFill>
+              <a:schemeClr val="accent1"/>
+            </a:solidFill>
             <a:tailEnd type="arrow"/>
           </a:ln>
+          <a:effectLst/>
         </p:spPr>
         <p:style>
           <a:lnRef idx="2">
@@ -3256,12 +3260,16 @@
         </p:nvSpPr>
         <p:spPr>
           <a:xfrm>
-            <a:off x="6792535" y="1206500"/>
-            <a:ext cx="272243" cy="444500"/>
+            <a:off x="6792535" y="1371600"/>
+            <a:ext cx="272243" cy="279400"/>
           </a:xfrm>
           <a:prstGeom prst="downArrow">
             <a:avLst/>
           </a:prstGeom>
+          <a:solidFill>
+            <a:schemeClr val="accent1"/>
+          </a:solidFill>
+          <a:effectLst/>
         </p:spPr>
         <p:style>
           <a:lnRef idx="1">
@@ -3294,8 +3302,8 @@
         </p:nvSpPr>
         <p:spPr>
           <a:xfrm>
-            <a:off x="6539065" y="1892300"/>
-            <a:ext cx="805629" cy="338554"/>
+            <a:off x="6292367" y="1866900"/>
+            <a:ext cx="1272579" cy="307777"/>
           </a:xfrm>
           <a:prstGeom prst="rect">
             <a:avLst/>
@@ -3309,10 +3317,16 @@
           <a:lstStyle/>
           <a:p>
             <a:r>
-              <a:rPr lang="en-US" sz="1600" dirty="0" smtClean="0"/>
-              <a:t>May 24</a:t>
-            </a:r>
-            <a:endParaRPr lang="en-US" sz="1600" dirty="0"/>
+              <a:rPr lang="en-US" sz="1400" dirty="0" smtClean="0">
+                <a:latin typeface="Arial Unicode MS"/>
+                <a:cs typeface="Arial Unicode MS"/>
+              </a:rPr>
+              <a:t>May 24, 2014</a:t>
+            </a:r>
+            <a:endParaRPr lang="en-US" sz="1400" dirty="0">
+              <a:latin typeface="Arial Unicode MS"/>
+              <a:cs typeface="Arial Unicode MS"/>
+            </a:endParaRPr>
           </a:p>
         </p:txBody>
       </p:sp>
@@ -3324,7 +3338,7 @@
         </p:nvSpPr>
         <p:spPr>
           <a:xfrm>
-            <a:off x="6414840" y="824468"/>
+            <a:off x="6414840" y="1009134"/>
             <a:ext cx="1027633" cy="369332"/>
           </a:xfrm>
           <a:prstGeom prst="rect">
@@ -3340,7 +3354,7 @@
           <a:p>
             <a:r>
               <a:rPr lang="en-US" dirty="0" smtClean="0"/>
-              <a:t>marriage</a:t>
+              <a:t>marriage </a:t>
             </a:r>
             <a:endParaRPr lang="en-US" dirty="0"/>
           </a:p>
@@ -3390,6 +3404,12 @@
           <a:prstGeom prst="line">
             <a:avLst/>
           </a:prstGeom>
+          <a:ln>
+            <a:solidFill>
+              <a:schemeClr val="accent1"/>
+            </a:solidFill>
+          </a:ln>
+          <a:effectLst/>
         </p:spPr>
         <p:style>
           <a:lnRef idx="2">
@@ -3420,6 +3440,12 @@
           <a:prstGeom prst="line">
             <a:avLst/>
           </a:prstGeom>
+          <a:ln>
+            <a:solidFill>
+              <a:schemeClr val="accent1"/>
+            </a:solidFill>
+          </a:ln>
+          <a:effectLst/>
         </p:spPr>
         <p:style>
           <a:lnRef idx="2">
@@ -3444,8 +3470,8 @@
         </p:nvSpPr>
         <p:spPr>
           <a:xfrm>
-            <a:off x="1933985" y="1907520"/>
-            <a:ext cx="805629" cy="338554"/>
+            <a:off x="1622802" y="1892300"/>
+            <a:ext cx="1272579" cy="307777"/>
           </a:xfrm>
           <a:prstGeom prst="rect">
             <a:avLst/>
@@ -3459,10 +3485,16 @@
           <a:lstStyle/>
           <a:p>
             <a:r>
-              <a:rPr lang="en-US" sz="1600" dirty="0" smtClean="0"/>
-              <a:t>May 23</a:t>
-            </a:r>
-            <a:endParaRPr lang="en-US" sz="1600" dirty="0"/>
+              <a:rPr lang="en-US" sz="1400" dirty="0" smtClean="0">
+                <a:latin typeface="Arial Unicode MS"/>
+                <a:cs typeface="Arial Unicode MS"/>
+              </a:rPr>
+              <a:t>May 23, 2014</a:t>
+            </a:r>
+            <a:endParaRPr lang="en-US" sz="1400" dirty="0">
+              <a:latin typeface="Arial Unicode MS"/>
+              <a:cs typeface="Arial Unicode MS"/>
+            </a:endParaRPr>
           </a:p>
         </p:txBody>
       </p:sp>

--- a/pictures.pptx
+++ b/pictures.pptx
@@ -136,7 +136,7 @@
         </p:nvSpPr>
         <p:spPr>
           <a:xfrm>
-            <a:off x="685800" y="2130425"/>
+            <a:off x="685800" y="2130429"/>
             <a:ext cx="7772400" cy="1470025"/>
           </a:xfrm>
         </p:spPr>
@@ -548,7 +548,7 @@
         </p:nvSpPr>
         <p:spPr>
           <a:xfrm>
-            <a:off x="6629400" y="274638"/>
+            <a:off x="6629400" y="274642"/>
             <a:ext cx="2057400" cy="5851525"/>
           </a:xfrm>
         </p:spPr>
@@ -576,7 +576,7 @@
         </p:nvSpPr>
         <p:spPr>
           <a:xfrm>
-            <a:off x="457200" y="274638"/>
+            <a:off x="457200" y="274642"/>
             <a:ext cx="6019800" cy="5851525"/>
           </a:xfrm>
         </p:spPr>
@@ -898,7 +898,7 @@
         </p:nvSpPr>
         <p:spPr>
           <a:xfrm>
-            <a:off x="722313" y="4406900"/>
+            <a:off x="722313" y="4406904"/>
             <a:ext cx="7772400" cy="1362075"/>
           </a:xfrm>
         </p:spPr>
@@ -1167,7 +1167,7 @@
         </p:nvSpPr>
         <p:spPr>
           <a:xfrm>
-            <a:off x="457200" y="1600200"/>
+            <a:off x="457200" y="1600204"/>
             <a:ext cx="4038600" cy="4525963"/>
           </a:xfrm>
         </p:spPr>
@@ -1252,7 +1252,7 @@
         </p:nvSpPr>
         <p:spPr>
           <a:xfrm>
-            <a:off x="4648200" y="1600200"/>
+            <a:off x="4648200" y="1600204"/>
             <a:ext cx="4038600" cy="4525963"/>
           </a:xfrm>
         </p:spPr>
@@ -1609,7 +1609,7 @@
         </p:nvSpPr>
         <p:spPr>
           <a:xfrm>
-            <a:off x="4645025" y="1535113"/>
+            <a:off x="4645027" y="1535113"/>
             <a:ext cx="4041775" cy="639762"/>
           </a:xfrm>
         </p:spPr>
@@ -1674,7 +1674,7 @@
         </p:nvSpPr>
         <p:spPr>
           <a:xfrm>
-            <a:off x="4645025" y="2174875"/>
+            <a:off x="4645027" y="2174875"/>
             <a:ext cx="4041775" cy="3951288"/>
           </a:xfrm>
         </p:spPr>
@@ -2067,7 +2067,7 @@
         </p:nvSpPr>
         <p:spPr>
           <a:xfrm>
-            <a:off x="457200" y="273050"/>
+            <a:off x="457202" y="273050"/>
             <a:ext cx="3008313" cy="1162050"/>
           </a:xfrm>
         </p:spPr>
@@ -2099,7 +2099,7 @@
         </p:nvSpPr>
         <p:spPr>
           <a:xfrm>
-            <a:off x="3575050" y="273050"/>
+            <a:off x="3575050" y="273054"/>
             <a:ext cx="5111750" cy="5853113"/>
           </a:xfrm>
         </p:spPr>
@@ -2184,7 +2184,7 @@
         </p:nvSpPr>
         <p:spPr>
           <a:xfrm>
-            <a:off x="457200" y="1435100"/>
+            <a:off x="457202" y="1435103"/>
             <a:ext cx="3008313" cy="4691063"/>
           </a:xfrm>
         </p:spPr>
@@ -2635,7 +2635,7 @@
         </p:nvSpPr>
         <p:spPr>
           <a:xfrm>
-            <a:off x="457200" y="1600200"/>
+            <a:off x="457200" y="1600204"/>
             <a:ext cx="8229600" cy="4525963"/>
           </a:xfrm>
           <a:prstGeom prst="rect">
@@ -2697,7 +2697,7 @@
         </p:nvSpPr>
         <p:spPr>
           <a:xfrm>
-            <a:off x="457200" y="6356350"/>
+            <a:off x="457200" y="6356354"/>
             <a:ext cx="2133600" cy="365125"/>
           </a:xfrm>
           <a:prstGeom prst="rect">
@@ -2738,7 +2738,7 @@
         </p:nvSpPr>
         <p:spPr>
           <a:xfrm>
-            <a:off x="3124200" y="6356350"/>
+            <a:off x="3124200" y="6356354"/>
             <a:ext cx="2895600" cy="365125"/>
           </a:xfrm>
           <a:prstGeom prst="rect">
@@ -2775,7 +2775,7 @@
         </p:nvSpPr>
         <p:spPr>
           <a:xfrm>
-            <a:off x="6553200" y="6356350"/>
+            <a:off x="6553200" y="6356354"/>
             <a:ext cx="2133600" cy="365125"/>
           </a:xfrm>
           <a:prstGeom prst="rect">
@@ -3095,60 +3095,30 @@
           <a:chExt cx="0" cy="0"/>
         </a:xfrm>
       </p:grpSpPr>
-      <p:pic>
-        <p:nvPicPr>
-          <p:cNvPr id="11" name="Picture 10" descr="KKT1.png"/>
-          <p:cNvPicPr>
-            <a:picLocks noChangeAspect="1"/>
-          </p:cNvPicPr>
-          <p:nvPr/>
-        </p:nvPicPr>
-        <p:blipFill>
-          <a:blip r:embed="rId2">
-            <a:extLst>
-              <a:ext uri="{28A0092B-C50C-407E-A947-70E740481C1C}">
-                <a14:useLocalDpi xmlns:a14="http://schemas.microsoft.com/office/drawing/2010/main" val="0"/>
-              </a:ext>
-            </a:extLst>
-          </a:blip>
-          <a:stretch>
-            <a:fillRect/>
-          </a:stretch>
-        </p:blipFill>
-        <p:spPr>
-          <a:xfrm>
-            <a:off x="4858557" y="2354301"/>
-            <a:ext cx="4171143" cy="1938299"/>
-          </a:xfrm>
-          <a:prstGeom prst="rect">
-            <a:avLst/>
-          </a:prstGeom>
-        </p:spPr>
-      </p:pic>
       <p:grpSp>
         <p:nvGrpSpPr>
-          <p:cNvPr id="14" name="Group 13"/>
+          <p:cNvPr id="36" name="Group 35"/>
           <p:cNvGrpSpPr/>
           <p:nvPr/>
         </p:nvGrpSpPr>
         <p:grpSpPr>
           <a:xfrm>
-            <a:off x="307764" y="2417801"/>
-            <a:ext cx="4108871" cy="2230399"/>
-            <a:chOff x="431799" y="563601"/>
-            <a:chExt cx="4108871" cy="2230399"/>
+            <a:off x="-228600" y="1058902"/>
+            <a:ext cx="10083800" cy="3589298"/>
+            <a:chOff x="-228600" y="1058902"/>
+            <a:chExt cx="10083800" cy="3589298"/>
           </a:xfrm>
         </p:grpSpPr>
         <p:pic>
           <p:nvPicPr>
-            <p:cNvPr id="12" name="Picture 11" descr="KKT2.png"/>
+            <p:cNvPr id="11" name="Picture 10" descr="KKT1.png"/>
             <p:cNvPicPr>
               <a:picLocks noChangeAspect="1"/>
             </p:cNvPicPr>
             <p:nvPr/>
           </p:nvPicPr>
           <p:blipFill>
-            <a:blip r:embed="rId3">
+            <a:blip r:embed="rId2">
               <a:extLst>
                 <a:ext uri="{28A0092B-C50C-407E-A947-70E740481C1C}">
                   <a14:useLocalDpi xmlns:a14="http://schemas.microsoft.com/office/drawing/2010/main" val="0"/>
@@ -3161,34 +3131,158 @@
           </p:blipFill>
           <p:spPr>
             <a:xfrm>
-              <a:off x="431799" y="563601"/>
-              <a:ext cx="4108871" cy="2230399"/>
+              <a:off x="4858557" y="2354301"/>
+              <a:ext cx="4171143" cy="1938299"/>
             </a:xfrm>
             <a:prstGeom prst="rect">
               <a:avLst/>
             </a:prstGeom>
           </p:spPr>
         </p:pic>
+        <p:grpSp>
+          <p:nvGrpSpPr>
+            <p:cNvPr id="14" name="Group 13"/>
+            <p:cNvGrpSpPr/>
+            <p:nvPr/>
+          </p:nvGrpSpPr>
+          <p:grpSpPr>
+            <a:xfrm>
+              <a:off x="307764" y="2417801"/>
+              <a:ext cx="4108871" cy="2230399"/>
+              <a:chOff x="431799" y="563601"/>
+              <a:chExt cx="4108871" cy="2230399"/>
+            </a:xfrm>
+          </p:grpSpPr>
+          <p:pic>
+            <p:nvPicPr>
+              <p:cNvPr id="12" name="Picture 11" descr="KKT2.png"/>
+              <p:cNvPicPr>
+                <a:picLocks noChangeAspect="1"/>
+              </p:cNvPicPr>
+              <p:nvPr/>
+            </p:nvPicPr>
+            <p:blipFill>
+              <a:blip r:embed="rId3">
+                <a:extLst>
+                  <a:ext uri="{28A0092B-C50C-407E-A947-70E740481C1C}">
+                    <a14:useLocalDpi xmlns:a14="http://schemas.microsoft.com/office/drawing/2010/main" val="0"/>
+                  </a:ext>
+                </a:extLst>
+              </a:blip>
+              <a:stretch>
+                <a:fillRect/>
+              </a:stretch>
+            </p:blipFill>
+            <p:spPr>
+              <a:xfrm>
+                <a:off x="431799" y="563601"/>
+                <a:ext cx="4108871" cy="2230399"/>
+              </a:xfrm>
+              <a:prstGeom prst="rect">
+                <a:avLst/>
+              </a:prstGeom>
+            </p:spPr>
+          </p:pic>
+          <p:sp>
+            <p:nvSpPr>
+              <p:cNvPr id="13" name="Rectangle 12"/>
+              <p:cNvSpPr/>
+              <p:nvPr/>
+            </p:nvSpPr>
+            <p:spPr>
+              <a:xfrm>
+                <a:off x="507999" y="2374900"/>
+                <a:ext cx="1714501" cy="393700"/>
+              </a:xfrm>
+              <a:prstGeom prst="rect">
+                <a:avLst/>
+              </a:prstGeom>
+              <a:solidFill>
+                <a:schemeClr val="bg1"/>
+              </a:solidFill>
+              <a:ln>
+                <a:noFill/>
+              </a:ln>
+              <a:effectLst/>
+            </p:spPr>
+            <p:style>
+              <a:lnRef idx="1">
+                <a:schemeClr val="accent1"/>
+              </a:lnRef>
+              <a:fillRef idx="3">
+                <a:schemeClr val="accent1"/>
+              </a:fillRef>
+              <a:effectRef idx="2">
+                <a:schemeClr val="accent1"/>
+              </a:effectRef>
+              <a:fontRef idx="minor">
+                <a:schemeClr val="lt1"/>
+              </a:fontRef>
+            </p:style>
+            <p:txBody>
+              <a:bodyPr rtlCol="0" anchor="ctr"/>
+              <a:lstStyle/>
+              <a:p>
+                <a:pPr algn="ctr"/>
+                <a:endParaRPr lang="en-US"/>
+              </a:p>
+            </p:txBody>
+          </p:sp>
+        </p:grpSp>
+        <p:cxnSp>
+          <p:nvCxnSpPr>
+            <p:cNvPr id="16" name="Straight Arrow Connector 15"/>
+            <p:cNvCxnSpPr/>
+            <p:nvPr/>
+          </p:nvCxnSpPr>
+          <p:spPr>
+            <a:xfrm>
+              <a:off x="-228600" y="1866900"/>
+              <a:ext cx="10083800" cy="25400"/>
+            </a:xfrm>
+            <a:prstGeom prst="straightConnector1">
+              <a:avLst/>
+            </a:prstGeom>
+            <a:ln>
+              <a:solidFill>
+                <a:schemeClr val="accent1"/>
+              </a:solidFill>
+              <a:tailEnd type="arrow"/>
+            </a:ln>
+            <a:effectLst/>
+          </p:spPr>
+          <p:style>
+            <a:lnRef idx="2">
+              <a:schemeClr val="accent1"/>
+            </a:lnRef>
+            <a:fillRef idx="0">
+              <a:schemeClr val="accent1"/>
+            </a:fillRef>
+            <a:effectRef idx="1">
+              <a:schemeClr val="accent1"/>
+            </a:effectRef>
+            <a:fontRef idx="minor">
+              <a:schemeClr val="tx1"/>
+            </a:fontRef>
+          </p:style>
+        </p:cxnSp>
         <p:sp>
           <p:nvSpPr>
-            <p:cNvPr id="13" name="Rectangle 12"/>
+            <p:cNvPr id="17" name="Down Arrow 16"/>
             <p:cNvSpPr/>
             <p:nvPr/>
           </p:nvSpPr>
           <p:spPr>
             <a:xfrm>
-              <a:off x="507999" y="2374900"/>
-              <a:ext cx="1714501" cy="393700"/>
+              <a:off x="4411092" y="1434068"/>
+              <a:ext cx="272243" cy="279400"/>
             </a:xfrm>
-            <a:prstGeom prst="rect">
+            <a:prstGeom prst="downArrow">
               <a:avLst/>
             </a:prstGeom>
             <a:solidFill>
-              <a:schemeClr val="bg1"/>
+              <a:schemeClr val="accent1"/>
             </a:solidFill>
-            <a:ln>
-              <a:noFill/>
-            </a:ln>
             <a:effectLst/>
           </p:spPr>
           <p:style>
@@ -3214,95 +3308,542 @@
             </a:p>
           </p:txBody>
         </p:sp>
+        <p:sp>
+          <p:nvSpPr>
+            <p:cNvPr id="19" name="TextBox 18"/>
+            <p:cNvSpPr txBox="1"/>
+            <p:nvPr/>
+          </p:nvSpPr>
+          <p:spPr>
+            <a:xfrm>
+              <a:off x="3907586" y="1895277"/>
+              <a:ext cx="1272579" cy="307777"/>
+            </a:xfrm>
+            <a:prstGeom prst="rect">
+              <a:avLst/>
+            </a:prstGeom>
+            <a:noFill/>
+          </p:spPr>
+          <p:txBody>
+            <a:bodyPr wrap="none" rtlCol="0">
+              <a:spAutoFit/>
+            </a:bodyPr>
+            <a:lstStyle/>
+            <a:p>
+              <a:r>
+                <a:rPr lang="en-US" sz="1400" dirty="0" smtClean="0">
+                  <a:latin typeface="Arial Unicode MS"/>
+                  <a:cs typeface="Arial Unicode MS"/>
+                </a:rPr>
+                <a:t>May 24, 2014</a:t>
+              </a:r>
+              <a:endParaRPr lang="en-US" sz="1400" dirty="0">
+                <a:latin typeface="Arial Unicode MS"/>
+                <a:cs typeface="Arial Unicode MS"/>
+              </a:endParaRPr>
+            </a:p>
+          </p:txBody>
+        </p:sp>
+        <p:sp>
+          <p:nvSpPr>
+            <p:cNvPr id="20" name="TextBox 19"/>
+            <p:cNvSpPr txBox="1"/>
+            <p:nvPr/>
+          </p:nvSpPr>
+          <p:spPr>
+            <a:xfrm>
+              <a:off x="4027240" y="1058902"/>
+              <a:ext cx="1027633" cy="369332"/>
+            </a:xfrm>
+            <a:prstGeom prst="rect">
+              <a:avLst/>
+            </a:prstGeom>
+            <a:noFill/>
+          </p:spPr>
+          <p:txBody>
+            <a:bodyPr wrap="none" rtlCol="0">
+              <a:spAutoFit/>
+            </a:bodyPr>
+            <a:lstStyle/>
+            <a:p>
+              <a:r>
+                <a:rPr lang="en-US" dirty="0" smtClean="0"/>
+                <a:t>marriage </a:t>
+              </a:r>
+              <a:endParaRPr lang="en-US" dirty="0"/>
+            </a:p>
+          </p:txBody>
+        </p:sp>
+        <p:sp>
+          <p:nvSpPr>
+            <p:cNvPr id="21" name="TextBox 20"/>
+            <p:cNvSpPr txBox="1"/>
+            <p:nvPr/>
+          </p:nvSpPr>
+          <p:spPr>
+            <a:xfrm>
+              <a:off x="9144000" y="1497568"/>
+              <a:ext cx="612517" cy="369332"/>
+            </a:xfrm>
+            <a:prstGeom prst="rect">
+              <a:avLst/>
+            </a:prstGeom>
+            <a:noFill/>
+          </p:spPr>
+          <p:txBody>
+            <a:bodyPr wrap="none" rtlCol="0">
+              <a:spAutoFit/>
+            </a:bodyPr>
+            <a:lstStyle/>
+            <a:p>
+              <a:r>
+                <a:rPr lang="en-US" dirty="0" smtClean="0"/>
+                <a:t>time</a:t>
+              </a:r>
+              <a:endParaRPr lang="en-US" dirty="0"/>
+            </a:p>
+          </p:txBody>
+        </p:sp>
+        <p:cxnSp>
+          <p:nvCxnSpPr>
+            <p:cNvPr id="23" name="Straight Connector 22"/>
+            <p:cNvCxnSpPr/>
+            <p:nvPr/>
+          </p:nvCxnSpPr>
+          <p:spPr>
+            <a:xfrm>
+              <a:off x="2336800" y="1752600"/>
+              <a:ext cx="0" cy="127000"/>
+            </a:xfrm>
+            <a:prstGeom prst="line">
+              <a:avLst/>
+            </a:prstGeom>
+            <a:ln>
+              <a:solidFill>
+                <a:schemeClr val="accent1"/>
+              </a:solidFill>
+            </a:ln>
+            <a:effectLst/>
+          </p:spPr>
+          <p:style>
+            <a:lnRef idx="2">
+              <a:schemeClr val="accent1"/>
+            </a:lnRef>
+            <a:fillRef idx="0">
+              <a:schemeClr val="accent1"/>
+            </a:fillRef>
+            <a:effectRef idx="1">
+              <a:schemeClr val="accent1"/>
+            </a:effectRef>
+            <a:fontRef idx="minor">
+              <a:schemeClr val="tx1"/>
+            </a:fontRef>
+          </p:style>
+        </p:cxnSp>
+        <p:cxnSp>
+          <p:nvCxnSpPr>
+            <p:cNvPr id="24" name="Straight Connector 23"/>
+            <p:cNvCxnSpPr/>
+            <p:nvPr/>
+          </p:nvCxnSpPr>
+          <p:spPr>
+            <a:xfrm>
+              <a:off x="6928657" y="1765300"/>
+              <a:ext cx="0" cy="127000"/>
+            </a:xfrm>
+            <a:prstGeom prst="line">
+              <a:avLst/>
+            </a:prstGeom>
+            <a:ln>
+              <a:solidFill>
+                <a:schemeClr val="accent1"/>
+              </a:solidFill>
+            </a:ln>
+            <a:effectLst/>
+          </p:spPr>
+          <p:style>
+            <a:lnRef idx="2">
+              <a:schemeClr val="accent1"/>
+            </a:lnRef>
+            <a:fillRef idx="0">
+              <a:schemeClr val="accent1"/>
+            </a:fillRef>
+            <a:effectRef idx="1">
+              <a:schemeClr val="accent1"/>
+            </a:effectRef>
+            <a:fontRef idx="minor">
+              <a:schemeClr val="tx1"/>
+            </a:fontRef>
+          </p:style>
+        </p:cxnSp>
+        <p:sp>
+          <p:nvSpPr>
+            <p:cNvPr id="25" name="TextBox 24"/>
+            <p:cNvSpPr txBox="1"/>
+            <p:nvPr/>
+          </p:nvSpPr>
+          <p:spPr>
+            <a:xfrm>
+              <a:off x="1622802" y="1892300"/>
+              <a:ext cx="1272579" cy="307777"/>
+            </a:xfrm>
+            <a:prstGeom prst="rect">
+              <a:avLst/>
+            </a:prstGeom>
+            <a:noFill/>
+          </p:spPr>
+          <p:txBody>
+            <a:bodyPr wrap="none" rtlCol="0">
+              <a:spAutoFit/>
+            </a:bodyPr>
+            <a:lstStyle/>
+            <a:p>
+              <a:r>
+                <a:rPr lang="en-US" sz="1400" dirty="0" smtClean="0">
+                  <a:latin typeface="Arial Unicode MS"/>
+                  <a:cs typeface="Arial Unicode MS"/>
+                </a:rPr>
+                <a:t>May 23, 2014</a:t>
+              </a:r>
+              <a:endParaRPr lang="en-US" sz="1400" dirty="0">
+                <a:latin typeface="Arial Unicode MS"/>
+                <a:cs typeface="Arial Unicode MS"/>
+              </a:endParaRPr>
+            </a:p>
+          </p:txBody>
+        </p:sp>
+        <p:sp>
+          <p:nvSpPr>
+            <p:cNvPr id="27" name="Rectangle 26"/>
+            <p:cNvSpPr/>
+            <p:nvPr/>
+          </p:nvSpPr>
+          <p:spPr>
+            <a:xfrm>
+              <a:off x="762000" y="3670300"/>
+              <a:ext cx="1336465" cy="190500"/>
+            </a:xfrm>
+            <a:prstGeom prst="rect">
+              <a:avLst/>
+            </a:prstGeom>
+            <a:solidFill>
+              <a:srgbClr val="FF0000">
+                <a:alpha val="29000"/>
+              </a:srgbClr>
+            </a:solidFill>
+            <a:ln>
+              <a:noFill/>
+            </a:ln>
+          </p:spPr>
+          <p:style>
+            <a:lnRef idx="1">
+              <a:schemeClr val="accent1"/>
+            </a:lnRef>
+            <a:fillRef idx="3">
+              <a:schemeClr val="accent1"/>
+            </a:fillRef>
+            <a:effectRef idx="2">
+              <a:schemeClr val="accent1"/>
+            </a:effectRef>
+            <a:fontRef idx="minor">
+              <a:schemeClr val="lt1"/>
+            </a:fontRef>
+          </p:style>
+          <p:txBody>
+            <a:bodyPr rtlCol="0" anchor="ctr"/>
+            <a:lstStyle/>
+            <a:p>
+              <a:pPr algn="ctr"/>
+              <a:endParaRPr lang="en-US"/>
+            </a:p>
+          </p:txBody>
+        </p:sp>
+        <p:sp>
+          <p:nvSpPr>
+            <p:cNvPr id="28" name="Rectangle 27"/>
+            <p:cNvSpPr/>
+            <p:nvPr/>
+          </p:nvSpPr>
+          <p:spPr>
+            <a:xfrm>
+              <a:off x="1360692" y="3860800"/>
+              <a:ext cx="737773" cy="190500"/>
+            </a:xfrm>
+            <a:prstGeom prst="rect">
+              <a:avLst/>
+            </a:prstGeom>
+            <a:solidFill>
+              <a:srgbClr val="FF0000">
+                <a:alpha val="29000"/>
+              </a:srgbClr>
+            </a:solidFill>
+            <a:ln>
+              <a:noFill/>
+            </a:ln>
+          </p:spPr>
+          <p:style>
+            <a:lnRef idx="1">
+              <a:schemeClr val="accent1"/>
+            </a:lnRef>
+            <a:fillRef idx="3">
+              <a:schemeClr val="accent1"/>
+            </a:fillRef>
+            <a:effectRef idx="2">
+              <a:schemeClr val="accent1"/>
+            </a:effectRef>
+            <a:fontRef idx="minor">
+              <a:schemeClr val="lt1"/>
+            </a:fontRef>
+          </p:style>
+          <p:txBody>
+            <a:bodyPr rtlCol="0" anchor="ctr"/>
+            <a:lstStyle/>
+            <a:p>
+              <a:pPr algn="ctr"/>
+              <a:endParaRPr lang="en-US"/>
+            </a:p>
+          </p:txBody>
+        </p:sp>
+        <p:sp>
+          <p:nvSpPr>
+            <p:cNvPr id="29" name="Rectangle 28"/>
+            <p:cNvSpPr/>
+            <p:nvPr/>
+          </p:nvSpPr>
+          <p:spPr>
+            <a:xfrm>
+              <a:off x="419099" y="4051300"/>
+              <a:ext cx="1679365" cy="177800"/>
+            </a:xfrm>
+            <a:prstGeom prst="rect">
+              <a:avLst/>
+            </a:prstGeom>
+            <a:solidFill>
+              <a:srgbClr val="FF0000">
+                <a:alpha val="29000"/>
+              </a:srgbClr>
+            </a:solidFill>
+            <a:ln>
+              <a:noFill/>
+            </a:ln>
+          </p:spPr>
+          <p:style>
+            <a:lnRef idx="1">
+              <a:schemeClr val="accent1"/>
+            </a:lnRef>
+            <a:fillRef idx="3">
+              <a:schemeClr val="accent1"/>
+            </a:fillRef>
+            <a:effectRef idx="2">
+              <a:schemeClr val="accent1"/>
+            </a:effectRef>
+            <a:fontRef idx="minor">
+              <a:schemeClr val="lt1"/>
+            </a:fontRef>
+          </p:style>
+          <p:txBody>
+            <a:bodyPr rtlCol="0" anchor="ctr"/>
+            <a:lstStyle/>
+            <a:p>
+              <a:pPr algn="ctr"/>
+              <a:endParaRPr lang="en-US"/>
+            </a:p>
+          </p:txBody>
+        </p:sp>
+        <p:sp>
+          <p:nvSpPr>
+            <p:cNvPr id="30" name="Rectangle 29"/>
+            <p:cNvSpPr/>
+            <p:nvPr/>
+          </p:nvSpPr>
+          <p:spPr>
+            <a:xfrm>
+              <a:off x="2136565" y="3073400"/>
+              <a:ext cx="2156035" cy="304800"/>
+            </a:xfrm>
+            <a:prstGeom prst="rect">
+              <a:avLst/>
+            </a:prstGeom>
+            <a:solidFill>
+              <a:srgbClr val="FF0000">
+                <a:alpha val="29000"/>
+              </a:srgbClr>
+            </a:solidFill>
+            <a:ln>
+              <a:noFill/>
+            </a:ln>
+          </p:spPr>
+          <p:style>
+            <a:lnRef idx="1">
+              <a:schemeClr val="accent1"/>
+            </a:lnRef>
+            <a:fillRef idx="3">
+              <a:schemeClr val="accent1"/>
+            </a:fillRef>
+            <a:effectRef idx="2">
+              <a:schemeClr val="accent1"/>
+            </a:effectRef>
+            <a:fontRef idx="minor">
+              <a:schemeClr val="lt1"/>
+            </a:fontRef>
+          </p:style>
+          <p:txBody>
+            <a:bodyPr rtlCol="0" anchor="ctr"/>
+            <a:lstStyle/>
+            <a:p>
+              <a:pPr algn="ctr"/>
+              <a:endParaRPr lang="en-US"/>
+            </a:p>
+          </p:txBody>
+        </p:sp>
+        <p:sp>
+          <p:nvSpPr>
+            <p:cNvPr id="31" name="Rectangle 30"/>
+            <p:cNvSpPr/>
+            <p:nvPr/>
+          </p:nvSpPr>
+          <p:spPr>
+            <a:xfrm>
+              <a:off x="7351865" y="2794000"/>
+              <a:ext cx="1157135" cy="190500"/>
+            </a:xfrm>
+            <a:prstGeom prst="rect">
+              <a:avLst/>
+            </a:prstGeom>
+            <a:solidFill>
+              <a:srgbClr val="008000">
+                <a:alpha val="29000"/>
+              </a:srgbClr>
+            </a:solidFill>
+            <a:ln>
+              <a:noFill/>
+            </a:ln>
+          </p:spPr>
+          <p:style>
+            <a:lnRef idx="1">
+              <a:schemeClr val="accent1"/>
+            </a:lnRef>
+            <a:fillRef idx="3">
+              <a:schemeClr val="accent1"/>
+            </a:fillRef>
+            <a:effectRef idx="2">
+              <a:schemeClr val="accent1"/>
+            </a:effectRef>
+            <a:fontRef idx="minor">
+              <a:schemeClr val="lt1"/>
+            </a:fontRef>
+          </p:style>
+          <p:txBody>
+            <a:bodyPr rtlCol="0" anchor="ctr"/>
+            <a:lstStyle/>
+            <a:p>
+              <a:pPr algn="ctr"/>
+              <a:endParaRPr lang="en-US"/>
+            </a:p>
+          </p:txBody>
+        </p:sp>
+        <p:sp>
+          <p:nvSpPr>
+            <p:cNvPr id="32" name="Rectangle 31"/>
+            <p:cNvSpPr/>
+            <p:nvPr/>
+          </p:nvSpPr>
+          <p:spPr>
+            <a:xfrm>
+              <a:off x="5180165" y="3860800"/>
+              <a:ext cx="1284135" cy="190500"/>
+            </a:xfrm>
+            <a:prstGeom prst="rect">
+              <a:avLst/>
+            </a:prstGeom>
+            <a:solidFill>
+              <a:srgbClr val="008000">
+                <a:alpha val="29000"/>
+              </a:srgbClr>
+            </a:solidFill>
+            <a:ln>
+              <a:noFill/>
+            </a:ln>
+          </p:spPr>
+          <p:style>
+            <a:lnRef idx="1">
+              <a:schemeClr val="accent1"/>
+            </a:lnRef>
+            <a:fillRef idx="3">
+              <a:schemeClr val="accent1"/>
+            </a:fillRef>
+            <a:effectRef idx="2">
+              <a:schemeClr val="accent1"/>
+            </a:effectRef>
+            <a:fontRef idx="minor">
+              <a:schemeClr val="lt1"/>
+            </a:fontRef>
+          </p:style>
+          <p:txBody>
+            <a:bodyPr rtlCol="0" anchor="ctr"/>
+            <a:lstStyle/>
+            <a:p>
+              <a:pPr algn="ctr"/>
+              <a:endParaRPr lang="en-US"/>
+            </a:p>
+          </p:txBody>
+        </p:sp>
+        <p:sp>
+          <p:nvSpPr>
+            <p:cNvPr id="33" name="Rectangle 32"/>
+            <p:cNvSpPr/>
+            <p:nvPr/>
+          </p:nvSpPr>
+          <p:spPr>
+            <a:xfrm>
+              <a:off x="4858557" y="4064000"/>
+              <a:ext cx="1605743" cy="177800"/>
+            </a:xfrm>
+            <a:prstGeom prst="rect">
+              <a:avLst/>
+            </a:prstGeom>
+            <a:solidFill>
+              <a:srgbClr val="008000">
+                <a:alpha val="29000"/>
+              </a:srgbClr>
+            </a:solidFill>
+            <a:ln>
+              <a:noFill/>
+            </a:ln>
+          </p:spPr>
+          <p:style>
+            <a:lnRef idx="1">
+              <a:schemeClr val="accent1"/>
+            </a:lnRef>
+            <a:fillRef idx="3">
+              <a:schemeClr val="accent1"/>
+            </a:fillRef>
+            <a:effectRef idx="2">
+              <a:schemeClr val="accent1"/>
+            </a:effectRef>
+            <a:fontRef idx="minor">
+              <a:schemeClr val="lt1"/>
+            </a:fontRef>
+          </p:style>
+          <p:txBody>
+            <a:bodyPr rtlCol="0" anchor="ctr"/>
+            <a:lstStyle/>
+            <a:p>
+              <a:pPr algn="ctr"/>
+              <a:endParaRPr lang="en-US"/>
+            </a:p>
+          </p:txBody>
+        </p:sp>
       </p:grpSp>
-      <p:cxnSp>
-        <p:nvCxnSpPr>
-          <p:cNvPr id="16" name="Straight Arrow Connector 15"/>
-          <p:cNvCxnSpPr/>
+      <p:sp>
+        <p:nvSpPr>
+          <p:cNvPr id="39" name="TextBox 38"/>
+          <p:cNvSpPr txBox="1"/>
           <p:nvPr/>
-        </p:nvCxnSpPr>
+        </p:nvSpPr>
         <p:spPr>
           <a:xfrm>
-            <a:off x="419100" y="1879600"/>
-            <a:ext cx="8610600" cy="0"/>
-          </a:xfrm>
-          <a:prstGeom prst="straightConnector1">
-            <a:avLst/>
-          </a:prstGeom>
-          <a:ln>
-            <a:solidFill>
-              <a:schemeClr val="accent1"/>
-            </a:solidFill>
-            <a:tailEnd type="arrow"/>
-          </a:ln>
-          <a:effectLst/>
-        </p:spPr>
-        <p:style>
-          <a:lnRef idx="2">
-            <a:schemeClr val="accent1"/>
-          </a:lnRef>
-          <a:fillRef idx="0">
-            <a:schemeClr val="accent1"/>
-          </a:fillRef>
-          <a:effectRef idx="1">
-            <a:schemeClr val="accent1"/>
-          </a:effectRef>
-          <a:fontRef idx="minor">
-            <a:schemeClr val="tx1"/>
-          </a:fontRef>
-        </p:style>
-      </p:cxnSp>
-      <p:sp>
-        <p:nvSpPr>
-          <p:cNvPr id="17" name="Down Arrow 16"/>
-          <p:cNvSpPr/>
-          <p:nvPr/>
-        </p:nvSpPr>
-        <p:spPr>
-          <a:xfrm>
-            <a:off x="6792535" y="1371600"/>
-            <a:ext cx="272243" cy="279400"/>
-          </a:xfrm>
-          <a:prstGeom prst="downArrow">
-            <a:avLst/>
-          </a:prstGeom>
-          <a:solidFill>
-            <a:schemeClr val="accent1"/>
-          </a:solidFill>
-          <a:effectLst/>
-        </p:spPr>
-        <p:style>
-          <a:lnRef idx="1">
-            <a:schemeClr val="accent1"/>
-          </a:lnRef>
-          <a:fillRef idx="3">
-            <a:schemeClr val="accent1"/>
-          </a:fillRef>
-          <a:effectRef idx="2">
-            <a:schemeClr val="accent1"/>
-          </a:effectRef>
-          <a:fontRef idx="minor">
-            <a:schemeClr val="lt1"/>
-          </a:fontRef>
-        </p:style>
-        <p:txBody>
-          <a:bodyPr rtlCol="0" anchor="ctr"/>
-          <a:lstStyle/>
-          <a:p>
-            <a:pPr algn="ctr"/>
-            <a:endParaRPr lang="en-US"/>
-          </a:p>
-        </p:txBody>
-      </p:sp>
-      <p:sp>
-        <p:nvSpPr>
-          <p:cNvPr id="19" name="TextBox 18"/>
-          <p:cNvSpPr txBox="1"/>
-          <p:nvPr/>
-        </p:nvSpPr>
-        <p:spPr>
-          <a:xfrm>
-            <a:off x="6292367" y="1866900"/>
+            <a:off x="6292367" y="1895277"/>
             <a:ext cx="1272579" cy="307777"/>
           </a:xfrm>
           <a:prstGeom prst="rect">
@@ -3321,7 +3862,7 @@
                 <a:latin typeface="Arial Unicode MS"/>
                 <a:cs typeface="Arial Unicode MS"/>
               </a:rPr>
-              <a:t>May 24, 2014</a:t>
+              <a:t>May 25, 2014</a:t>
             </a:r>
             <a:endParaRPr lang="en-US" sz="1400" dirty="0">
               <a:latin typeface="Arial Unicode MS"/>
@@ -3330,75 +3871,15 @@
           </a:p>
         </p:txBody>
       </p:sp>
-      <p:sp>
-        <p:nvSpPr>
-          <p:cNvPr id="20" name="TextBox 19"/>
-          <p:cNvSpPr txBox="1"/>
-          <p:nvPr/>
-        </p:nvSpPr>
-        <p:spPr>
-          <a:xfrm>
-            <a:off x="6414840" y="1009134"/>
-            <a:ext cx="1027633" cy="369332"/>
-          </a:xfrm>
-          <a:prstGeom prst="rect">
-            <a:avLst/>
-          </a:prstGeom>
-          <a:noFill/>
-        </p:spPr>
-        <p:txBody>
-          <a:bodyPr wrap="none" rtlCol="0">
-            <a:spAutoFit/>
-          </a:bodyPr>
-          <a:lstStyle/>
-          <a:p>
-            <a:r>
-              <a:rPr lang="en-US" dirty="0" smtClean="0"/>
-              <a:t>marriage </a:t>
-            </a:r>
-            <a:endParaRPr lang="en-US" dirty="0"/>
-          </a:p>
-        </p:txBody>
-      </p:sp>
-      <p:sp>
-        <p:nvSpPr>
-          <p:cNvPr id="21" name="TextBox 20"/>
-          <p:cNvSpPr txBox="1"/>
-          <p:nvPr/>
-        </p:nvSpPr>
-        <p:spPr>
-          <a:xfrm>
-            <a:off x="8417183" y="1522968"/>
-            <a:ext cx="612517" cy="369332"/>
-          </a:xfrm>
-          <a:prstGeom prst="rect">
-            <a:avLst/>
-          </a:prstGeom>
-          <a:noFill/>
-        </p:spPr>
-        <p:txBody>
-          <a:bodyPr wrap="none" rtlCol="0">
-            <a:spAutoFit/>
-          </a:bodyPr>
-          <a:lstStyle/>
-          <a:p>
-            <a:r>
-              <a:rPr lang="en-US" dirty="0" smtClean="0"/>
-              <a:t>time</a:t>
-            </a:r>
-            <a:endParaRPr lang="en-US" dirty="0"/>
-          </a:p>
-        </p:txBody>
-      </p:sp>
       <p:cxnSp>
         <p:nvCxnSpPr>
-          <p:cNvPr id="23" name="Straight Connector 22"/>
+          <p:cNvPr id="40" name="Straight Connector 39"/>
           <p:cNvCxnSpPr/>
           <p:nvPr/>
         </p:nvCxnSpPr>
         <p:spPr>
           <a:xfrm>
-            <a:off x="2336800" y="1752600"/>
+            <a:off x="4541057" y="1752600"/>
             <a:ext cx="0" cy="127000"/>
           </a:xfrm>
           <a:prstGeom prst="line">
@@ -3426,400 +3907,6 @@
           </a:fontRef>
         </p:style>
       </p:cxnSp>
-      <p:cxnSp>
-        <p:nvCxnSpPr>
-          <p:cNvPr id="24" name="Straight Connector 23"/>
-          <p:cNvCxnSpPr/>
-          <p:nvPr/>
-        </p:nvCxnSpPr>
-        <p:spPr>
-          <a:xfrm>
-            <a:off x="6928657" y="1739900"/>
-            <a:ext cx="0" cy="127000"/>
-          </a:xfrm>
-          <a:prstGeom prst="line">
-            <a:avLst/>
-          </a:prstGeom>
-          <a:ln>
-            <a:solidFill>
-              <a:schemeClr val="accent1"/>
-            </a:solidFill>
-          </a:ln>
-          <a:effectLst/>
-        </p:spPr>
-        <p:style>
-          <a:lnRef idx="2">
-            <a:schemeClr val="accent1"/>
-          </a:lnRef>
-          <a:fillRef idx="0">
-            <a:schemeClr val="accent1"/>
-          </a:fillRef>
-          <a:effectRef idx="1">
-            <a:schemeClr val="accent1"/>
-          </a:effectRef>
-          <a:fontRef idx="minor">
-            <a:schemeClr val="tx1"/>
-          </a:fontRef>
-        </p:style>
-      </p:cxnSp>
-      <p:sp>
-        <p:nvSpPr>
-          <p:cNvPr id="25" name="TextBox 24"/>
-          <p:cNvSpPr txBox="1"/>
-          <p:nvPr/>
-        </p:nvSpPr>
-        <p:spPr>
-          <a:xfrm>
-            <a:off x="1622802" y="1892300"/>
-            <a:ext cx="1272579" cy="307777"/>
-          </a:xfrm>
-          <a:prstGeom prst="rect">
-            <a:avLst/>
-          </a:prstGeom>
-          <a:noFill/>
-        </p:spPr>
-        <p:txBody>
-          <a:bodyPr wrap="none" rtlCol="0">
-            <a:spAutoFit/>
-          </a:bodyPr>
-          <a:lstStyle/>
-          <a:p>
-            <a:r>
-              <a:rPr lang="en-US" sz="1400" dirty="0" smtClean="0">
-                <a:latin typeface="Arial Unicode MS"/>
-                <a:cs typeface="Arial Unicode MS"/>
-              </a:rPr>
-              <a:t>May 23, 2014</a:t>
-            </a:r>
-            <a:endParaRPr lang="en-US" sz="1400" dirty="0">
-              <a:latin typeface="Arial Unicode MS"/>
-              <a:cs typeface="Arial Unicode MS"/>
-            </a:endParaRPr>
-          </a:p>
-        </p:txBody>
-      </p:sp>
-      <p:sp>
-        <p:nvSpPr>
-          <p:cNvPr id="27" name="Rectangle 26"/>
-          <p:cNvSpPr/>
-          <p:nvPr/>
-        </p:nvSpPr>
-        <p:spPr>
-          <a:xfrm>
-            <a:off x="762000" y="3670300"/>
-            <a:ext cx="1336465" cy="190500"/>
-          </a:xfrm>
-          <a:prstGeom prst="rect">
-            <a:avLst/>
-          </a:prstGeom>
-          <a:solidFill>
-            <a:srgbClr val="FF0000">
-              <a:alpha val="29000"/>
-            </a:srgbClr>
-          </a:solidFill>
-          <a:ln>
-            <a:noFill/>
-          </a:ln>
-        </p:spPr>
-        <p:style>
-          <a:lnRef idx="1">
-            <a:schemeClr val="accent1"/>
-          </a:lnRef>
-          <a:fillRef idx="3">
-            <a:schemeClr val="accent1"/>
-          </a:fillRef>
-          <a:effectRef idx="2">
-            <a:schemeClr val="accent1"/>
-          </a:effectRef>
-          <a:fontRef idx="minor">
-            <a:schemeClr val="lt1"/>
-          </a:fontRef>
-        </p:style>
-        <p:txBody>
-          <a:bodyPr rtlCol="0" anchor="ctr"/>
-          <a:lstStyle/>
-          <a:p>
-            <a:pPr algn="ctr"/>
-            <a:endParaRPr lang="en-US"/>
-          </a:p>
-        </p:txBody>
-      </p:sp>
-      <p:sp>
-        <p:nvSpPr>
-          <p:cNvPr id="28" name="Rectangle 27"/>
-          <p:cNvSpPr/>
-          <p:nvPr/>
-        </p:nvSpPr>
-        <p:spPr>
-          <a:xfrm>
-            <a:off x="1360692" y="3860800"/>
-            <a:ext cx="737773" cy="190500"/>
-          </a:xfrm>
-          <a:prstGeom prst="rect">
-            <a:avLst/>
-          </a:prstGeom>
-          <a:solidFill>
-            <a:srgbClr val="FF0000">
-              <a:alpha val="29000"/>
-            </a:srgbClr>
-          </a:solidFill>
-          <a:ln>
-            <a:noFill/>
-          </a:ln>
-        </p:spPr>
-        <p:style>
-          <a:lnRef idx="1">
-            <a:schemeClr val="accent1"/>
-          </a:lnRef>
-          <a:fillRef idx="3">
-            <a:schemeClr val="accent1"/>
-          </a:fillRef>
-          <a:effectRef idx="2">
-            <a:schemeClr val="accent1"/>
-          </a:effectRef>
-          <a:fontRef idx="minor">
-            <a:schemeClr val="lt1"/>
-          </a:fontRef>
-        </p:style>
-        <p:txBody>
-          <a:bodyPr rtlCol="0" anchor="ctr"/>
-          <a:lstStyle/>
-          <a:p>
-            <a:pPr algn="ctr"/>
-            <a:endParaRPr lang="en-US"/>
-          </a:p>
-        </p:txBody>
-      </p:sp>
-      <p:sp>
-        <p:nvSpPr>
-          <p:cNvPr id="29" name="Rectangle 28"/>
-          <p:cNvSpPr/>
-          <p:nvPr/>
-        </p:nvSpPr>
-        <p:spPr>
-          <a:xfrm>
-            <a:off x="419099" y="4051300"/>
-            <a:ext cx="1679365" cy="177800"/>
-          </a:xfrm>
-          <a:prstGeom prst="rect">
-            <a:avLst/>
-          </a:prstGeom>
-          <a:solidFill>
-            <a:srgbClr val="FF0000">
-              <a:alpha val="29000"/>
-            </a:srgbClr>
-          </a:solidFill>
-          <a:ln>
-            <a:noFill/>
-          </a:ln>
-        </p:spPr>
-        <p:style>
-          <a:lnRef idx="1">
-            <a:schemeClr val="accent1"/>
-          </a:lnRef>
-          <a:fillRef idx="3">
-            <a:schemeClr val="accent1"/>
-          </a:fillRef>
-          <a:effectRef idx="2">
-            <a:schemeClr val="accent1"/>
-          </a:effectRef>
-          <a:fontRef idx="minor">
-            <a:schemeClr val="lt1"/>
-          </a:fontRef>
-        </p:style>
-        <p:txBody>
-          <a:bodyPr rtlCol="0" anchor="ctr"/>
-          <a:lstStyle/>
-          <a:p>
-            <a:pPr algn="ctr"/>
-            <a:endParaRPr lang="en-US"/>
-          </a:p>
-        </p:txBody>
-      </p:sp>
-      <p:sp>
-        <p:nvSpPr>
-          <p:cNvPr id="30" name="Rectangle 29"/>
-          <p:cNvSpPr/>
-          <p:nvPr/>
-        </p:nvSpPr>
-        <p:spPr>
-          <a:xfrm>
-            <a:off x="2136565" y="3073400"/>
-            <a:ext cx="2156035" cy="304800"/>
-          </a:xfrm>
-          <a:prstGeom prst="rect">
-            <a:avLst/>
-          </a:prstGeom>
-          <a:solidFill>
-            <a:srgbClr val="FF0000">
-              <a:alpha val="29000"/>
-            </a:srgbClr>
-          </a:solidFill>
-          <a:ln>
-            <a:noFill/>
-          </a:ln>
-        </p:spPr>
-        <p:style>
-          <a:lnRef idx="1">
-            <a:schemeClr val="accent1"/>
-          </a:lnRef>
-          <a:fillRef idx="3">
-            <a:schemeClr val="accent1"/>
-          </a:fillRef>
-          <a:effectRef idx="2">
-            <a:schemeClr val="accent1"/>
-          </a:effectRef>
-          <a:fontRef idx="minor">
-            <a:schemeClr val="lt1"/>
-          </a:fontRef>
-        </p:style>
-        <p:txBody>
-          <a:bodyPr rtlCol="0" anchor="ctr"/>
-          <a:lstStyle/>
-          <a:p>
-            <a:pPr algn="ctr"/>
-            <a:endParaRPr lang="en-US"/>
-          </a:p>
-        </p:txBody>
-      </p:sp>
-      <p:sp>
-        <p:nvSpPr>
-          <p:cNvPr id="31" name="Rectangle 30"/>
-          <p:cNvSpPr/>
-          <p:nvPr/>
-        </p:nvSpPr>
-        <p:spPr>
-          <a:xfrm>
-            <a:off x="7351865" y="2794000"/>
-            <a:ext cx="1157135" cy="190500"/>
-          </a:xfrm>
-          <a:prstGeom prst="rect">
-            <a:avLst/>
-          </a:prstGeom>
-          <a:solidFill>
-            <a:srgbClr val="008000">
-              <a:alpha val="29000"/>
-            </a:srgbClr>
-          </a:solidFill>
-          <a:ln>
-            <a:noFill/>
-          </a:ln>
-        </p:spPr>
-        <p:style>
-          <a:lnRef idx="1">
-            <a:schemeClr val="accent1"/>
-          </a:lnRef>
-          <a:fillRef idx="3">
-            <a:schemeClr val="accent1"/>
-          </a:fillRef>
-          <a:effectRef idx="2">
-            <a:schemeClr val="accent1"/>
-          </a:effectRef>
-          <a:fontRef idx="minor">
-            <a:schemeClr val="lt1"/>
-          </a:fontRef>
-        </p:style>
-        <p:txBody>
-          <a:bodyPr rtlCol="0" anchor="ctr"/>
-          <a:lstStyle/>
-          <a:p>
-            <a:pPr algn="ctr"/>
-            <a:endParaRPr lang="en-US"/>
-          </a:p>
-        </p:txBody>
-      </p:sp>
-      <p:sp>
-        <p:nvSpPr>
-          <p:cNvPr id="32" name="Rectangle 31"/>
-          <p:cNvSpPr/>
-          <p:nvPr/>
-        </p:nvSpPr>
-        <p:spPr>
-          <a:xfrm>
-            <a:off x="5180165" y="3860800"/>
-            <a:ext cx="1284135" cy="190500"/>
-          </a:xfrm>
-          <a:prstGeom prst="rect">
-            <a:avLst/>
-          </a:prstGeom>
-          <a:solidFill>
-            <a:srgbClr val="008000">
-              <a:alpha val="29000"/>
-            </a:srgbClr>
-          </a:solidFill>
-          <a:ln>
-            <a:noFill/>
-          </a:ln>
-        </p:spPr>
-        <p:style>
-          <a:lnRef idx="1">
-            <a:schemeClr val="accent1"/>
-          </a:lnRef>
-          <a:fillRef idx="3">
-            <a:schemeClr val="accent1"/>
-          </a:fillRef>
-          <a:effectRef idx="2">
-            <a:schemeClr val="accent1"/>
-          </a:effectRef>
-          <a:fontRef idx="minor">
-            <a:schemeClr val="lt1"/>
-          </a:fontRef>
-        </p:style>
-        <p:txBody>
-          <a:bodyPr rtlCol="0" anchor="ctr"/>
-          <a:lstStyle/>
-          <a:p>
-            <a:pPr algn="ctr"/>
-            <a:endParaRPr lang="en-US"/>
-          </a:p>
-        </p:txBody>
-      </p:sp>
-      <p:sp>
-        <p:nvSpPr>
-          <p:cNvPr id="33" name="Rectangle 32"/>
-          <p:cNvSpPr/>
-          <p:nvPr/>
-        </p:nvSpPr>
-        <p:spPr>
-          <a:xfrm>
-            <a:off x="4858557" y="4064000"/>
-            <a:ext cx="1605743" cy="177800"/>
-          </a:xfrm>
-          <a:prstGeom prst="rect">
-            <a:avLst/>
-          </a:prstGeom>
-          <a:solidFill>
-            <a:srgbClr val="008000">
-              <a:alpha val="29000"/>
-            </a:srgbClr>
-          </a:solidFill>
-          <a:ln>
-            <a:noFill/>
-          </a:ln>
-        </p:spPr>
-        <p:style>
-          <a:lnRef idx="1">
-            <a:schemeClr val="accent1"/>
-          </a:lnRef>
-          <a:fillRef idx="3">
-            <a:schemeClr val="accent1"/>
-          </a:fillRef>
-          <a:effectRef idx="2">
-            <a:schemeClr val="accent1"/>
-          </a:effectRef>
-          <a:fontRef idx="minor">
-            <a:schemeClr val="lt1"/>
-          </a:fontRef>
-        </p:style>
-        <p:txBody>
-          <a:bodyPr rtlCol="0" anchor="ctr"/>
-          <a:lstStyle/>
-          <a:p>
-            <a:pPr algn="ctr"/>
-            <a:endParaRPr lang="en-US"/>
-          </a:p>
-        </p:txBody>
-      </p:sp>
     </p:spTree>
     <p:extLst>
       <p:ext uri="{BB962C8B-B14F-4D97-AF65-F5344CB8AC3E}">

--- a/pictures.pptx
+++ b/pictures.pptx
@@ -3097,7 +3097,7 @@
       </p:grpSpPr>
       <p:grpSp>
         <p:nvGrpSpPr>
-          <p:cNvPr id="36" name="Group 35"/>
+          <p:cNvPr id="42" name="Group 41"/>
           <p:cNvGrpSpPr/>
           <p:nvPr/>
         </p:nvGrpSpPr>
@@ -3109,60 +3109,30 @@
             <a:chExt cx="10083800" cy="3589298"/>
           </a:xfrm>
         </p:grpSpPr>
-        <p:pic>
-          <p:nvPicPr>
-            <p:cNvPr id="11" name="Picture 10" descr="KKT1.png"/>
-            <p:cNvPicPr>
-              <a:picLocks noChangeAspect="1"/>
-            </p:cNvPicPr>
-            <p:nvPr/>
-          </p:nvPicPr>
-          <p:blipFill>
-            <a:blip r:embed="rId2">
-              <a:extLst>
-                <a:ext uri="{28A0092B-C50C-407E-A947-70E740481C1C}">
-                  <a14:useLocalDpi xmlns:a14="http://schemas.microsoft.com/office/drawing/2010/main" val="0"/>
-                </a:ext>
-              </a:extLst>
-            </a:blip>
-            <a:stretch>
-              <a:fillRect/>
-            </a:stretch>
-          </p:blipFill>
-          <p:spPr>
-            <a:xfrm>
-              <a:off x="4858557" y="2354301"/>
-              <a:ext cx="4171143" cy="1938299"/>
-            </a:xfrm>
-            <a:prstGeom prst="rect">
-              <a:avLst/>
-            </a:prstGeom>
-          </p:spPr>
-        </p:pic>
         <p:grpSp>
           <p:nvGrpSpPr>
-            <p:cNvPr id="14" name="Group 13"/>
+            <p:cNvPr id="36" name="Group 35"/>
             <p:cNvGrpSpPr/>
             <p:nvPr/>
           </p:nvGrpSpPr>
           <p:grpSpPr>
             <a:xfrm>
-              <a:off x="307764" y="2417801"/>
-              <a:ext cx="4108871" cy="2230399"/>
-              <a:chOff x="431799" y="563601"/>
-              <a:chExt cx="4108871" cy="2230399"/>
+              <a:off x="-228600" y="1058902"/>
+              <a:ext cx="10083800" cy="3589298"/>
+              <a:chOff x="-228600" y="1058902"/>
+              <a:chExt cx="10083800" cy="3589298"/>
             </a:xfrm>
           </p:grpSpPr>
           <p:pic>
             <p:nvPicPr>
-              <p:cNvPr id="12" name="Picture 11" descr="KKT2.png"/>
+              <p:cNvPr id="11" name="Picture 10" descr="KKT1.png"/>
               <p:cNvPicPr>
                 <a:picLocks noChangeAspect="1"/>
               </p:cNvPicPr>
               <p:nvPr/>
             </p:nvPicPr>
             <p:blipFill>
-              <a:blip r:embed="rId3">
+              <a:blip r:embed="rId2">
                 <a:extLst>
                   <a:ext uri="{28A0092B-C50C-407E-A947-70E740481C1C}">
                     <a14:useLocalDpi xmlns:a14="http://schemas.microsoft.com/office/drawing/2010/main" val="0"/>
@@ -3175,34 +3145,158 @@
             </p:blipFill>
             <p:spPr>
               <a:xfrm>
-                <a:off x="431799" y="563601"/>
-                <a:ext cx="4108871" cy="2230399"/>
+                <a:off x="4858557" y="2354301"/>
+                <a:ext cx="4171143" cy="1938299"/>
               </a:xfrm>
               <a:prstGeom prst="rect">
                 <a:avLst/>
               </a:prstGeom>
             </p:spPr>
           </p:pic>
+          <p:grpSp>
+            <p:nvGrpSpPr>
+              <p:cNvPr id="14" name="Group 13"/>
+              <p:cNvGrpSpPr/>
+              <p:nvPr/>
+            </p:nvGrpSpPr>
+            <p:grpSpPr>
+              <a:xfrm>
+                <a:off x="307764" y="2417801"/>
+                <a:ext cx="4108871" cy="2230399"/>
+                <a:chOff x="431799" y="563601"/>
+                <a:chExt cx="4108871" cy="2230399"/>
+              </a:xfrm>
+            </p:grpSpPr>
+            <p:pic>
+              <p:nvPicPr>
+                <p:cNvPr id="12" name="Picture 11" descr="KKT2.png"/>
+                <p:cNvPicPr>
+                  <a:picLocks noChangeAspect="1"/>
+                </p:cNvPicPr>
+                <p:nvPr/>
+              </p:nvPicPr>
+              <p:blipFill>
+                <a:blip r:embed="rId3">
+                  <a:extLst>
+                    <a:ext uri="{28A0092B-C50C-407E-A947-70E740481C1C}">
+                      <a14:useLocalDpi xmlns:a14="http://schemas.microsoft.com/office/drawing/2010/main" val="0"/>
+                    </a:ext>
+                  </a:extLst>
+                </a:blip>
+                <a:stretch>
+                  <a:fillRect/>
+                </a:stretch>
+              </p:blipFill>
+              <p:spPr>
+                <a:xfrm>
+                  <a:off x="431799" y="563601"/>
+                  <a:ext cx="4108871" cy="2230399"/>
+                </a:xfrm>
+                <a:prstGeom prst="rect">
+                  <a:avLst/>
+                </a:prstGeom>
+              </p:spPr>
+            </p:pic>
+            <p:sp>
+              <p:nvSpPr>
+                <p:cNvPr id="13" name="Rectangle 12"/>
+                <p:cNvSpPr/>
+                <p:nvPr/>
+              </p:nvSpPr>
+              <p:spPr>
+                <a:xfrm>
+                  <a:off x="507999" y="2374900"/>
+                  <a:ext cx="1714501" cy="393700"/>
+                </a:xfrm>
+                <a:prstGeom prst="rect">
+                  <a:avLst/>
+                </a:prstGeom>
+                <a:solidFill>
+                  <a:schemeClr val="bg1"/>
+                </a:solidFill>
+                <a:ln>
+                  <a:noFill/>
+                </a:ln>
+                <a:effectLst/>
+              </p:spPr>
+              <p:style>
+                <a:lnRef idx="1">
+                  <a:schemeClr val="accent1"/>
+                </a:lnRef>
+                <a:fillRef idx="3">
+                  <a:schemeClr val="accent1"/>
+                </a:fillRef>
+                <a:effectRef idx="2">
+                  <a:schemeClr val="accent1"/>
+                </a:effectRef>
+                <a:fontRef idx="minor">
+                  <a:schemeClr val="lt1"/>
+                </a:fontRef>
+              </p:style>
+              <p:txBody>
+                <a:bodyPr rtlCol="0" anchor="ctr"/>
+                <a:lstStyle/>
+                <a:p>
+                  <a:pPr algn="ctr"/>
+                  <a:endParaRPr lang="en-US"/>
+                </a:p>
+              </p:txBody>
+            </p:sp>
+          </p:grpSp>
+          <p:cxnSp>
+            <p:nvCxnSpPr>
+              <p:cNvPr id="16" name="Straight Arrow Connector 15"/>
+              <p:cNvCxnSpPr/>
+              <p:nvPr/>
+            </p:nvCxnSpPr>
+            <p:spPr>
+              <a:xfrm>
+                <a:off x="-228600" y="1866900"/>
+                <a:ext cx="10083800" cy="25400"/>
+              </a:xfrm>
+              <a:prstGeom prst="straightConnector1">
+                <a:avLst/>
+              </a:prstGeom>
+              <a:ln>
+                <a:solidFill>
+                  <a:schemeClr val="accent1"/>
+                </a:solidFill>
+                <a:tailEnd type="arrow"/>
+              </a:ln>
+              <a:effectLst/>
+            </p:spPr>
+            <p:style>
+              <a:lnRef idx="2">
+                <a:schemeClr val="accent1"/>
+              </a:lnRef>
+              <a:fillRef idx="0">
+                <a:schemeClr val="accent1"/>
+              </a:fillRef>
+              <a:effectRef idx="1">
+                <a:schemeClr val="accent1"/>
+              </a:effectRef>
+              <a:fontRef idx="minor">
+                <a:schemeClr val="tx1"/>
+              </a:fontRef>
+            </p:style>
+          </p:cxnSp>
           <p:sp>
             <p:nvSpPr>
-              <p:cNvPr id="13" name="Rectangle 12"/>
+              <p:cNvPr id="17" name="Down Arrow 16"/>
               <p:cNvSpPr/>
               <p:nvPr/>
             </p:nvSpPr>
             <p:spPr>
               <a:xfrm>
-                <a:off x="507999" y="2374900"/>
-                <a:ext cx="1714501" cy="393700"/>
+                <a:off x="4411092" y="1434068"/>
+                <a:ext cx="272243" cy="279400"/>
               </a:xfrm>
-              <a:prstGeom prst="rect">
+              <a:prstGeom prst="downArrow">
                 <a:avLst/>
               </a:prstGeom>
               <a:solidFill>
-                <a:schemeClr val="bg1"/>
+                <a:schemeClr val="accent1"/>
               </a:solidFill>
-              <a:ln>
-                <a:noFill/>
-              </a:ln>
               <a:effectLst/>
             </p:spPr>
             <p:style>
@@ -3228,96 +3322,543 @@
               </a:p>
             </p:txBody>
           </p:sp>
+          <p:sp>
+            <p:nvSpPr>
+              <p:cNvPr id="19" name="TextBox 18"/>
+              <p:cNvSpPr txBox="1"/>
+              <p:nvPr/>
+            </p:nvSpPr>
+            <p:spPr>
+              <a:xfrm>
+                <a:off x="3907586" y="1895277"/>
+                <a:ext cx="1083224" cy="307777"/>
+              </a:xfrm>
+              <a:prstGeom prst="rect">
+                <a:avLst/>
+              </a:prstGeom>
+              <a:noFill/>
+            </p:spPr>
+            <p:txBody>
+              <a:bodyPr wrap="none" rtlCol="0">
+                <a:spAutoFit/>
+              </a:bodyPr>
+              <a:lstStyle/>
+              <a:p>
+                <a:r>
+                  <a:rPr lang="en-US" sz="1400" dirty="0" smtClean="0">
+                    <a:latin typeface="Arial Unicode MS"/>
+                    <a:cs typeface="Arial Unicode MS"/>
+                  </a:rPr>
+                  <a:t>05/24/2014</a:t>
+                </a:r>
+                <a:endParaRPr lang="en-US" sz="1400" dirty="0">
+                  <a:latin typeface="Arial Unicode MS"/>
+                  <a:cs typeface="Arial Unicode MS"/>
+                </a:endParaRPr>
+              </a:p>
+            </p:txBody>
+          </p:sp>
+          <p:sp>
+            <p:nvSpPr>
+              <p:cNvPr id="20" name="TextBox 19"/>
+              <p:cNvSpPr txBox="1"/>
+              <p:nvPr/>
+            </p:nvSpPr>
+            <p:spPr>
+              <a:xfrm>
+                <a:off x="4027240" y="1058902"/>
+                <a:ext cx="1027633" cy="369332"/>
+              </a:xfrm>
+              <a:prstGeom prst="rect">
+                <a:avLst/>
+              </a:prstGeom>
+              <a:noFill/>
+            </p:spPr>
+            <p:txBody>
+              <a:bodyPr wrap="none" rtlCol="0">
+                <a:spAutoFit/>
+              </a:bodyPr>
+              <a:lstStyle/>
+              <a:p>
+                <a:r>
+                  <a:rPr lang="en-US" dirty="0" smtClean="0"/>
+                  <a:t>marriage </a:t>
+                </a:r>
+                <a:endParaRPr lang="en-US" dirty="0"/>
+              </a:p>
+            </p:txBody>
+          </p:sp>
+          <p:sp>
+            <p:nvSpPr>
+              <p:cNvPr id="21" name="TextBox 20"/>
+              <p:cNvSpPr txBox="1"/>
+              <p:nvPr/>
+            </p:nvSpPr>
+            <p:spPr>
+              <a:xfrm>
+                <a:off x="9144000" y="1497568"/>
+                <a:ext cx="612517" cy="369332"/>
+              </a:xfrm>
+              <a:prstGeom prst="rect">
+                <a:avLst/>
+              </a:prstGeom>
+              <a:noFill/>
+            </p:spPr>
+            <p:txBody>
+              <a:bodyPr wrap="none" rtlCol="0">
+                <a:spAutoFit/>
+              </a:bodyPr>
+              <a:lstStyle/>
+              <a:p>
+                <a:r>
+                  <a:rPr lang="en-US" dirty="0" smtClean="0"/>
+                  <a:t>time</a:t>
+                </a:r>
+                <a:endParaRPr lang="en-US" dirty="0"/>
+              </a:p>
+            </p:txBody>
+          </p:sp>
+          <p:cxnSp>
+            <p:nvCxnSpPr>
+              <p:cNvPr id="23" name="Straight Connector 22"/>
+              <p:cNvCxnSpPr/>
+              <p:nvPr/>
+            </p:nvCxnSpPr>
+            <p:spPr>
+              <a:xfrm>
+                <a:off x="2336800" y="1752600"/>
+                <a:ext cx="0" cy="127000"/>
+              </a:xfrm>
+              <a:prstGeom prst="line">
+                <a:avLst/>
+              </a:prstGeom>
+              <a:ln>
+                <a:solidFill>
+                  <a:schemeClr val="accent1"/>
+                </a:solidFill>
+              </a:ln>
+              <a:effectLst/>
+            </p:spPr>
+            <p:style>
+              <a:lnRef idx="2">
+                <a:schemeClr val="accent1"/>
+              </a:lnRef>
+              <a:fillRef idx="0">
+                <a:schemeClr val="accent1"/>
+              </a:fillRef>
+              <a:effectRef idx="1">
+                <a:schemeClr val="accent1"/>
+              </a:effectRef>
+              <a:fontRef idx="minor">
+                <a:schemeClr val="tx1"/>
+              </a:fontRef>
+            </p:style>
+          </p:cxnSp>
+          <p:cxnSp>
+            <p:nvCxnSpPr>
+              <p:cNvPr id="24" name="Straight Connector 23"/>
+              <p:cNvCxnSpPr/>
+              <p:nvPr/>
+            </p:nvCxnSpPr>
+            <p:spPr>
+              <a:xfrm>
+                <a:off x="6928657" y="1765300"/>
+                <a:ext cx="0" cy="127000"/>
+              </a:xfrm>
+              <a:prstGeom prst="line">
+                <a:avLst/>
+              </a:prstGeom>
+              <a:ln>
+                <a:solidFill>
+                  <a:schemeClr val="accent1"/>
+                </a:solidFill>
+              </a:ln>
+              <a:effectLst/>
+            </p:spPr>
+            <p:style>
+              <a:lnRef idx="2">
+                <a:schemeClr val="accent1"/>
+              </a:lnRef>
+              <a:fillRef idx="0">
+                <a:schemeClr val="accent1"/>
+              </a:fillRef>
+              <a:effectRef idx="1">
+                <a:schemeClr val="accent1"/>
+              </a:effectRef>
+              <a:fontRef idx="minor">
+                <a:schemeClr val="tx1"/>
+              </a:fontRef>
+            </p:style>
+          </p:cxnSp>
+          <p:sp>
+            <p:nvSpPr>
+              <p:cNvPr id="25" name="TextBox 24"/>
+              <p:cNvSpPr txBox="1"/>
+              <p:nvPr/>
+            </p:nvSpPr>
+            <p:spPr>
+              <a:xfrm>
+                <a:off x="1622802" y="1892300"/>
+                <a:ext cx="1083224" cy="307777"/>
+              </a:xfrm>
+              <a:prstGeom prst="rect">
+                <a:avLst/>
+              </a:prstGeom>
+              <a:noFill/>
+            </p:spPr>
+            <p:txBody>
+              <a:bodyPr wrap="none" rtlCol="0">
+                <a:spAutoFit/>
+              </a:bodyPr>
+              <a:lstStyle/>
+              <a:p>
+                <a:r>
+                  <a:rPr lang="en-US" sz="1400" dirty="0" smtClean="0">
+                    <a:latin typeface="Arial Unicode MS"/>
+                    <a:cs typeface="Arial Unicode MS"/>
+                  </a:rPr>
+                  <a:t>05/23/2014</a:t>
+                </a:r>
+                <a:endParaRPr lang="en-US" sz="1400" dirty="0">
+                  <a:latin typeface="Arial Unicode MS"/>
+                  <a:cs typeface="Arial Unicode MS"/>
+                </a:endParaRPr>
+              </a:p>
+            </p:txBody>
+          </p:sp>
+          <p:sp>
+            <p:nvSpPr>
+              <p:cNvPr id="27" name="Rectangle 26"/>
+              <p:cNvSpPr/>
+              <p:nvPr/>
+            </p:nvSpPr>
+            <p:spPr>
+              <a:xfrm>
+                <a:off x="762000" y="3670300"/>
+                <a:ext cx="1336465" cy="190500"/>
+              </a:xfrm>
+              <a:prstGeom prst="rect">
+                <a:avLst/>
+              </a:prstGeom>
+              <a:solidFill>
+                <a:srgbClr val="FF0000">
+                  <a:alpha val="29000"/>
+                </a:srgbClr>
+              </a:solidFill>
+              <a:ln>
+                <a:noFill/>
+              </a:ln>
+            </p:spPr>
+            <p:style>
+              <a:lnRef idx="1">
+                <a:schemeClr val="accent1"/>
+              </a:lnRef>
+              <a:fillRef idx="3">
+                <a:schemeClr val="accent1"/>
+              </a:fillRef>
+              <a:effectRef idx="2">
+                <a:schemeClr val="accent1"/>
+              </a:effectRef>
+              <a:fontRef idx="minor">
+                <a:schemeClr val="lt1"/>
+              </a:fontRef>
+            </p:style>
+            <p:txBody>
+              <a:bodyPr rtlCol="0" anchor="ctr"/>
+              <a:lstStyle/>
+              <a:p>
+                <a:pPr algn="ctr"/>
+                <a:endParaRPr lang="en-US"/>
+              </a:p>
+            </p:txBody>
+          </p:sp>
+          <p:sp>
+            <p:nvSpPr>
+              <p:cNvPr id="28" name="Rectangle 27"/>
+              <p:cNvSpPr/>
+              <p:nvPr/>
+            </p:nvSpPr>
+            <p:spPr>
+              <a:xfrm>
+                <a:off x="1360692" y="3860800"/>
+                <a:ext cx="737773" cy="190500"/>
+              </a:xfrm>
+              <a:prstGeom prst="rect">
+                <a:avLst/>
+              </a:prstGeom>
+              <a:solidFill>
+                <a:srgbClr val="FF0000">
+                  <a:alpha val="29000"/>
+                </a:srgbClr>
+              </a:solidFill>
+              <a:ln>
+                <a:noFill/>
+              </a:ln>
+            </p:spPr>
+            <p:style>
+              <a:lnRef idx="1">
+                <a:schemeClr val="accent1"/>
+              </a:lnRef>
+              <a:fillRef idx="3">
+                <a:schemeClr val="accent1"/>
+              </a:fillRef>
+              <a:effectRef idx="2">
+                <a:schemeClr val="accent1"/>
+              </a:effectRef>
+              <a:fontRef idx="minor">
+                <a:schemeClr val="lt1"/>
+              </a:fontRef>
+            </p:style>
+            <p:txBody>
+              <a:bodyPr rtlCol="0" anchor="ctr"/>
+              <a:lstStyle/>
+              <a:p>
+                <a:pPr algn="ctr"/>
+                <a:endParaRPr lang="en-US"/>
+              </a:p>
+            </p:txBody>
+          </p:sp>
+          <p:sp>
+            <p:nvSpPr>
+              <p:cNvPr id="29" name="Rectangle 28"/>
+              <p:cNvSpPr/>
+              <p:nvPr/>
+            </p:nvSpPr>
+            <p:spPr>
+              <a:xfrm>
+                <a:off x="419099" y="4051300"/>
+                <a:ext cx="1679365" cy="177800"/>
+              </a:xfrm>
+              <a:prstGeom prst="rect">
+                <a:avLst/>
+              </a:prstGeom>
+              <a:solidFill>
+                <a:srgbClr val="FF0000">
+                  <a:alpha val="29000"/>
+                </a:srgbClr>
+              </a:solidFill>
+              <a:ln>
+                <a:noFill/>
+              </a:ln>
+            </p:spPr>
+            <p:style>
+              <a:lnRef idx="1">
+                <a:schemeClr val="accent1"/>
+              </a:lnRef>
+              <a:fillRef idx="3">
+                <a:schemeClr val="accent1"/>
+              </a:fillRef>
+              <a:effectRef idx="2">
+                <a:schemeClr val="accent1"/>
+              </a:effectRef>
+              <a:fontRef idx="minor">
+                <a:schemeClr val="lt1"/>
+              </a:fontRef>
+            </p:style>
+            <p:txBody>
+              <a:bodyPr rtlCol="0" anchor="ctr"/>
+              <a:lstStyle/>
+              <a:p>
+                <a:pPr algn="ctr"/>
+                <a:endParaRPr lang="en-US"/>
+              </a:p>
+            </p:txBody>
+          </p:sp>
+          <p:sp>
+            <p:nvSpPr>
+              <p:cNvPr id="30" name="Rectangle 29"/>
+              <p:cNvSpPr/>
+              <p:nvPr/>
+            </p:nvSpPr>
+            <p:spPr>
+              <a:xfrm>
+                <a:off x="2136565" y="3073400"/>
+                <a:ext cx="2156035" cy="304800"/>
+              </a:xfrm>
+              <a:prstGeom prst="rect">
+                <a:avLst/>
+              </a:prstGeom>
+              <a:solidFill>
+                <a:srgbClr val="FF0000">
+                  <a:alpha val="29000"/>
+                </a:srgbClr>
+              </a:solidFill>
+              <a:ln>
+                <a:noFill/>
+              </a:ln>
+            </p:spPr>
+            <p:style>
+              <a:lnRef idx="1">
+                <a:schemeClr val="accent1"/>
+              </a:lnRef>
+              <a:fillRef idx="3">
+                <a:schemeClr val="accent1"/>
+              </a:fillRef>
+              <a:effectRef idx="2">
+                <a:schemeClr val="accent1"/>
+              </a:effectRef>
+              <a:fontRef idx="minor">
+                <a:schemeClr val="lt1"/>
+              </a:fontRef>
+            </p:style>
+            <p:txBody>
+              <a:bodyPr rtlCol="0" anchor="ctr"/>
+              <a:lstStyle/>
+              <a:p>
+                <a:pPr algn="ctr"/>
+                <a:endParaRPr lang="en-US"/>
+              </a:p>
+            </p:txBody>
+          </p:sp>
+          <p:sp>
+            <p:nvSpPr>
+              <p:cNvPr id="31" name="Rectangle 30"/>
+              <p:cNvSpPr/>
+              <p:nvPr/>
+            </p:nvSpPr>
+            <p:spPr>
+              <a:xfrm>
+                <a:off x="7351865" y="2794000"/>
+                <a:ext cx="1157135" cy="190500"/>
+              </a:xfrm>
+              <a:prstGeom prst="rect">
+                <a:avLst/>
+              </a:prstGeom>
+              <a:solidFill>
+                <a:srgbClr val="008000">
+                  <a:alpha val="29000"/>
+                </a:srgbClr>
+              </a:solidFill>
+              <a:ln>
+                <a:noFill/>
+              </a:ln>
+            </p:spPr>
+            <p:style>
+              <a:lnRef idx="1">
+                <a:schemeClr val="accent1"/>
+              </a:lnRef>
+              <a:fillRef idx="3">
+                <a:schemeClr val="accent1"/>
+              </a:fillRef>
+              <a:effectRef idx="2">
+                <a:schemeClr val="accent1"/>
+              </a:effectRef>
+              <a:fontRef idx="minor">
+                <a:schemeClr val="lt1"/>
+              </a:fontRef>
+            </p:style>
+            <p:txBody>
+              <a:bodyPr rtlCol="0" anchor="ctr"/>
+              <a:lstStyle/>
+              <a:p>
+                <a:pPr algn="ctr"/>
+                <a:endParaRPr lang="en-US"/>
+              </a:p>
+            </p:txBody>
+          </p:sp>
+          <p:sp>
+            <p:nvSpPr>
+              <p:cNvPr id="32" name="Rectangle 31"/>
+              <p:cNvSpPr/>
+              <p:nvPr/>
+            </p:nvSpPr>
+            <p:spPr>
+              <a:xfrm>
+                <a:off x="5180165" y="3860800"/>
+                <a:ext cx="1284135" cy="190500"/>
+              </a:xfrm>
+              <a:prstGeom prst="rect">
+                <a:avLst/>
+              </a:prstGeom>
+              <a:solidFill>
+                <a:srgbClr val="008000">
+                  <a:alpha val="29000"/>
+                </a:srgbClr>
+              </a:solidFill>
+              <a:ln>
+                <a:noFill/>
+              </a:ln>
+            </p:spPr>
+            <p:style>
+              <a:lnRef idx="1">
+                <a:schemeClr val="accent1"/>
+              </a:lnRef>
+              <a:fillRef idx="3">
+                <a:schemeClr val="accent1"/>
+              </a:fillRef>
+              <a:effectRef idx="2">
+                <a:schemeClr val="accent1"/>
+              </a:effectRef>
+              <a:fontRef idx="minor">
+                <a:schemeClr val="lt1"/>
+              </a:fontRef>
+            </p:style>
+            <p:txBody>
+              <a:bodyPr rtlCol="0" anchor="ctr"/>
+              <a:lstStyle/>
+              <a:p>
+                <a:pPr algn="ctr"/>
+                <a:endParaRPr lang="en-US"/>
+              </a:p>
+            </p:txBody>
+          </p:sp>
+          <p:sp>
+            <p:nvSpPr>
+              <p:cNvPr id="33" name="Rectangle 32"/>
+              <p:cNvSpPr/>
+              <p:nvPr/>
+            </p:nvSpPr>
+            <p:spPr>
+              <a:xfrm>
+                <a:off x="4858557" y="4064000"/>
+                <a:ext cx="1605743" cy="177800"/>
+              </a:xfrm>
+              <a:prstGeom prst="rect">
+                <a:avLst/>
+              </a:prstGeom>
+              <a:solidFill>
+                <a:srgbClr val="008000">
+                  <a:alpha val="29000"/>
+                </a:srgbClr>
+              </a:solidFill>
+              <a:ln>
+                <a:noFill/>
+              </a:ln>
+            </p:spPr>
+            <p:style>
+              <a:lnRef idx="1">
+                <a:schemeClr val="accent1"/>
+              </a:lnRef>
+              <a:fillRef idx="3">
+                <a:schemeClr val="accent1"/>
+              </a:fillRef>
+              <a:effectRef idx="2">
+                <a:schemeClr val="accent1"/>
+              </a:effectRef>
+              <a:fontRef idx="minor">
+                <a:schemeClr val="lt1"/>
+              </a:fontRef>
+            </p:style>
+            <p:txBody>
+              <a:bodyPr rtlCol="0" anchor="ctr"/>
+              <a:lstStyle/>
+              <a:p>
+                <a:pPr algn="ctr"/>
+                <a:endParaRPr lang="en-US"/>
+              </a:p>
+            </p:txBody>
+          </p:sp>
         </p:grpSp>
-        <p:cxnSp>
-          <p:nvCxnSpPr>
-            <p:cNvPr id="16" name="Straight Arrow Connector 15"/>
-            <p:cNvCxnSpPr/>
-            <p:nvPr/>
-          </p:nvCxnSpPr>
-          <p:spPr>
-            <a:xfrm>
-              <a:off x="-228600" y="1866900"/>
-              <a:ext cx="10083800" cy="25400"/>
-            </a:xfrm>
-            <a:prstGeom prst="straightConnector1">
-              <a:avLst/>
-            </a:prstGeom>
-            <a:ln>
-              <a:solidFill>
-                <a:schemeClr val="accent1"/>
-              </a:solidFill>
-              <a:tailEnd type="arrow"/>
-            </a:ln>
-            <a:effectLst/>
-          </p:spPr>
-          <p:style>
-            <a:lnRef idx="2">
-              <a:schemeClr val="accent1"/>
-            </a:lnRef>
-            <a:fillRef idx="0">
-              <a:schemeClr val="accent1"/>
-            </a:fillRef>
-            <a:effectRef idx="1">
-              <a:schemeClr val="accent1"/>
-            </a:effectRef>
-            <a:fontRef idx="minor">
-              <a:schemeClr val="tx1"/>
-            </a:fontRef>
-          </p:style>
-        </p:cxnSp>
         <p:sp>
           <p:nvSpPr>
-            <p:cNvPr id="17" name="Down Arrow 16"/>
-            <p:cNvSpPr/>
-            <p:nvPr/>
-          </p:nvSpPr>
-          <p:spPr>
-            <a:xfrm>
-              <a:off x="4411092" y="1434068"/>
-              <a:ext cx="272243" cy="279400"/>
-            </a:xfrm>
-            <a:prstGeom prst="downArrow">
-              <a:avLst/>
-            </a:prstGeom>
-            <a:solidFill>
-              <a:schemeClr val="accent1"/>
-            </a:solidFill>
-            <a:effectLst/>
-          </p:spPr>
-          <p:style>
-            <a:lnRef idx="1">
-              <a:schemeClr val="accent1"/>
-            </a:lnRef>
-            <a:fillRef idx="3">
-              <a:schemeClr val="accent1"/>
-            </a:fillRef>
-            <a:effectRef idx="2">
-              <a:schemeClr val="accent1"/>
-            </a:effectRef>
-            <a:fontRef idx="minor">
-              <a:schemeClr val="lt1"/>
-            </a:fontRef>
-          </p:style>
-          <p:txBody>
-            <a:bodyPr rtlCol="0" anchor="ctr"/>
-            <a:lstStyle/>
-            <a:p>
-              <a:pPr algn="ctr"/>
-              <a:endParaRPr lang="en-US"/>
-            </a:p>
-          </p:txBody>
-        </p:sp>
-        <p:sp>
-          <p:nvSpPr>
-            <p:cNvPr id="19" name="TextBox 18"/>
+            <p:cNvPr id="39" name="TextBox 38"/>
             <p:cNvSpPr txBox="1"/>
             <p:nvPr/>
           </p:nvSpPr>
           <p:spPr>
             <a:xfrm>
-              <a:off x="3907586" y="1895277"/>
-              <a:ext cx="1272579" cy="307777"/>
+              <a:off x="6292367" y="1895277"/>
+              <a:ext cx="1083224" cy="307777"/>
             </a:xfrm>
             <a:prstGeom prst="rect">
               <a:avLst/>
@@ -3335,7 +3876,7 @@
                   <a:latin typeface="Arial Unicode MS"/>
                   <a:cs typeface="Arial Unicode MS"/>
                 </a:rPr>
-                <a:t>May 24, 2014</a:t>
+                <a:t>05/25/2014</a:t>
               </a:r>
               <a:endParaRPr lang="en-US" sz="1400" dirty="0">
                 <a:latin typeface="Arial Unicode MS"/>
@@ -3344,75 +3885,15 @@
             </a:p>
           </p:txBody>
         </p:sp>
-        <p:sp>
-          <p:nvSpPr>
-            <p:cNvPr id="20" name="TextBox 19"/>
-            <p:cNvSpPr txBox="1"/>
-            <p:nvPr/>
-          </p:nvSpPr>
-          <p:spPr>
-            <a:xfrm>
-              <a:off x="4027240" y="1058902"/>
-              <a:ext cx="1027633" cy="369332"/>
-            </a:xfrm>
-            <a:prstGeom prst="rect">
-              <a:avLst/>
-            </a:prstGeom>
-            <a:noFill/>
-          </p:spPr>
-          <p:txBody>
-            <a:bodyPr wrap="none" rtlCol="0">
-              <a:spAutoFit/>
-            </a:bodyPr>
-            <a:lstStyle/>
-            <a:p>
-              <a:r>
-                <a:rPr lang="en-US" dirty="0" smtClean="0"/>
-                <a:t>marriage </a:t>
-              </a:r>
-              <a:endParaRPr lang="en-US" dirty="0"/>
-            </a:p>
-          </p:txBody>
-        </p:sp>
-        <p:sp>
-          <p:nvSpPr>
-            <p:cNvPr id="21" name="TextBox 20"/>
-            <p:cNvSpPr txBox="1"/>
-            <p:nvPr/>
-          </p:nvSpPr>
-          <p:spPr>
-            <a:xfrm>
-              <a:off x="9144000" y="1497568"/>
-              <a:ext cx="612517" cy="369332"/>
-            </a:xfrm>
-            <a:prstGeom prst="rect">
-              <a:avLst/>
-            </a:prstGeom>
-            <a:noFill/>
-          </p:spPr>
-          <p:txBody>
-            <a:bodyPr wrap="none" rtlCol="0">
-              <a:spAutoFit/>
-            </a:bodyPr>
-            <a:lstStyle/>
-            <a:p>
-              <a:r>
-                <a:rPr lang="en-US" dirty="0" smtClean="0"/>
-                <a:t>time</a:t>
-              </a:r>
-              <a:endParaRPr lang="en-US" dirty="0"/>
-            </a:p>
-          </p:txBody>
-        </p:sp>
         <p:cxnSp>
           <p:nvCxnSpPr>
-            <p:cNvPr id="23" name="Straight Connector 22"/>
+            <p:cNvPr id="40" name="Straight Connector 39"/>
             <p:cNvCxnSpPr/>
             <p:nvPr/>
           </p:nvCxnSpPr>
           <p:spPr>
             <a:xfrm>
-              <a:off x="2336800" y="1752600"/>
+              <a:off x="4541057" y="1752600"/>
               <a:ext cx="0" cy="127000"/>
             </a:xfrm>
             <a:prstGeom prst="line">
@@ -3440,473 +3921,7 @@
             </a:fontRef>
           </p:style>
         </p:cxnSp>
-        <p:cxnSp>
-          <p:nvCxnSpPr>
-            <p:cNvPr id="24" name="Straight Connector 23"/>
-            <p:cNvCxnSpPr/>
-            <p:nvPr/>
-          </p:nvCxnSpPr>
-          <p:spPr>
-            <a:xfrm>
-              <a:off x="6928657" y="1765300"/>
-              <a:ext cx="0" cy="127000"/>
-            </a:xfrm>
-            <a:prstGeom prst="line">
-              <a:avLst/>
-            </a:prstGeom>
-            <a:ln>
-              <a:solidFill>
-                <a:schemeClr val="accent1"/>
-              </a:solidFill>
-            </a:ln>
-            <a:effectLst/>
-          </p:spPr>
-          <p:style>
-            <a:lnRef idx="2">
-              <a:schemeClr val="accent1"/>
-            </a:lnRef>
-            <a:fillRef idx="0">
-              <a:schemeClr val="accent1"/>
-            </a:fillRef>
-            <a:effectRef idx="1">
-              <a:schemeClr val="accent1"/>
-            </a:effectRef>
-            <a:fontRef idx="minor">
-              <a:schemeClr val="tx1"/>
-            </a:fontRef>
-          </p:style>
-        </p:cxnSp>
-        <p:sp>
-          <p:nvSpPr>
-            <p:cNvPr id="25" name="TextBox 24"/>
-            <p:cNvSpPr txBox="1"/>
-            <p:nvPr/>
-          </p:nvSpPr>
-          <p:spPr>
-            <a:xfrm>
-              <a:off x="1622802" y="1892300"/>
-              <a:ext cx="1272579" cy="307777"/>
-            </a:xfrm>
-            <a:prstGeom prst="rect">
-              <a:avLst/>
-            </a:prstGeom>
-            <a:noFill/>
-          </p:spPr>
-          <p:txBody>
-            <a:bodyPr wrap="none" rtlCol="0">
-              <a:spAutoFit/>
-            </a:bodyPr>
-            <a:lstStyle/>
-            <a:p>
-              <a:r>
-                <a:rPr lang="en-US" sz="1400" dirty="0" smtClean="0">
-                  <a:latin typeface="Arial Unicode MS"/>
-                  <a:cs typeface="Arial Unicode MS"/>
-                </a:rPr>
-                <a:t>May 23, 2014</a:t>
-              </a:r>
-              <a:endParaRPr lang="en-US" sz="1400" dirty="0">
-                <a:latin typeface="Arial Unicode MS"/>
-                <a:cs typeface="Arial Unicode MS"/>
-              </a:endParaRPr>
-            </a:p>
-          </p:txBody>
-        </p:sp>
-        <p:sp>
-          <p:nvSpPr>
-            <p:cNvPr id="27" name="Rectangle 26"/>
-            <p:cNvSpPr/>
-            <p:nvPr/>
-          </p:nvSpPr>
-          <p:spPr>
-            <a:xfrm>
-              <a:off x="762000" y="3670300"/>
-              <a:ext cx="1336465" cy="190500"/>
-            </a:xfrm>
-            <a:prstGeom prst="rect">
-              <a:avLst/>
-            </a:prstGeom>
-            <a:solidFill>
-              <a:srgbClr val="FF0000">
-                <a:alpha val="29000"/>
-              </a:srgbClr>
-            </a:solidFill>
-            <a:ln>
-              <a:noFill/>
-            </a:ln>
-          </p:spPr>
-          <p:style>
-            <a:lnRef idx="1">
-              <a:schemeClr val="accent1"/>
-            </a:lnRef>
-            <a:fillRef idx="3">
-              <a:schemeClr val="accent1"/>
-            </a:fillRef>
-            <a:effectRef idx="2">
-              <a:schemeClr val="accent1"/>
-            </a:effectRef>
-            <a:fontRef idx="minor">
-              <a:schemeClr val="lt1"/>
-            </a:fontRef>
-          </p:style>
-          <p:txBody>
-            <a:bodyPr rtlCol="0" anchor="ctr"/>
-            <a:lstStyle/>
-            <a:p>
-              <a:pPr algn="ctr"/>
-              <a:endParaRPr lang="en-US"/>
-            </a:p>
-          </p:txBody>
-        </p:sp>
-        <p:sp>
-          <p:nvSpPr>
-            <p:cNvPr id="28" name="Rectangle 27"/>
-            <p:cNvSpPr/>
-            <p:nvPr/>
-          </p:nvSpPr>
-          <p:spPr>
-            <a:xfrm>
-              <a:off x="1360692" y="3860800"/>
-              <a:ext cx="737773" cy="190500"/>
-            </a:xfrm>
-            <a:prstGeom prst="rect">
-              <a:avLst/>
-            </a:prstGeom>
-            <a:solidFill>
-              <a:srgbClr val="FF0000">
-                <a:alpha val="29000"/>
-              </a:srgbClr>
-            </a:solidFill>
-            <a:ln>
-              <a:noFill/>
-            </a:ln>
-          </p:spPr>
-          <p:style>
-            <a:lnRef idx="1">
-              <a:schemeClr val="accent1"/>
-            </a:lnRef>
-            <a:fillRef idx="3">
-              <a:schemeClr val="accent1"/>
-            </a:fillRef>
-            <a:effectRef idx="2">
-              <a:schemeClr val="accent1"/>
-            </a:effectRef>
-            <a:fontRef idx="minor">
-              <a:schemeClr val="lt1"/>
-            </a:fontRef>
-          </p:style>
-          <p:txBody>
-            <a:bodyPr rtlCol="0" anchor="ctr"/>
-            <a:lstStyle/>
-            <a:p>
-              <a:pPr algn="ctr"/>
-              <a:endParaRPr lang="en-US"/>
-            </a:p>
-          </p:txBody>
-        </p:sp>
-        <p:sp>
-          <p:nvSpPr>
-            <p:cNvPr id="29" name="Rectangle 28"/>
-            <p:cNvSpPr/>
-            <p:nvPr/>
-          </p:nvSpPr>
-          <p:spPr>
-            <a:xfrm>
-              <a:off x="419099" y="4051300"/>
-              <a:ext cx="1679365" cy="177800"/>
-            </a:xfrm>
-            <a:prstGeom prst="rect">
-              <a:avLst/>
-            </a:prstGeom>
-            <a:solidFill>
-              <a:srgbClr val="FF0000">
-                <a:alpha val="29000"/>
-              </a:srgbClr>
-            </a:solidFill>
-            <a:ln>
-              <a:noFill/>
-            </a:ln>
-          </p:spPr>
-          <p:style>
-            <a:lnRef idx="1">
-              <a:schemeClr val="accent1"/>
-            </a:lnRef>
-            <a:fillRef idx="3">
-              <a:schemeClr val="accent1"/>
-            </a:fillRef>
-            <a:effectRef idx="2">
-              <a:schemeClr val="accent1"/>
-            </a:effectRef>
-            <a:fontRef idx="minor">
-              <a:schemeClr val="lt1"/>
-            </a:fontRef>
-          </p:style>
-          <p:txBody>
-            <a:bodyPr rtlCol="0" anchor="ctr"/>
-            <a:lstStyle/>
-            <a:p>
-              <a:pPr algn="ctr"/>
-              <a:endParaRPr lang="en-US"/>
-            </a:p>
-          </p:txBody>
-        </p:sp>
-        <p:sp>
-          <p:nvSpPr>
-            <p:cNvPr id="30" name="Rectangle 29"/>
-            <p:cNvSpPr/>
-            <p:nvPr/>
-          </p:nvSpPr>
-          <p:spPr>
-            <a:xfrm>
-              <a:off x="2136565" y="3073400"/>
-              <a:ext cx="2156035" cy="304800"/>
-            </a:xfrm>
-            <a:prstGeom prst="rect">
-              <a:avLst/>
-            </a:prstGeom>
-            <a:solidFill>
-              <a:srgbClr val="FF0000">
-                <a:alpha val="29000"/>
-              </a:srgbClr>
-            </a:solidFill>
-            <a:ln>
-              <a:noFill/>
-            </a:ln>
-          </p:spPr>
-          <p:style>
-            <a:lnRef idx="1">
-              <a:schemeClr val="accent1"/>
-            </a:lnRef>
-            <a:fillRef idx="3">
-              <a:schemeClr val="accent1"/>
-            </a:fillRef>
-            <a:effectRef idx="2">
-              <a:schemeClr val="accent1"/>
-            </a:effectRef>
-            <a:fontRef idx="minor">
-              <a:schemeClr val="lt1"/>
-            </a:fontRef>
-          </p:style>
-          <p:txBody>
-            <a:bodyPr rtlCol="0" anchor="ctr"/>
-            <a:lstStyle/>
-            <a:p>
-              <a:pPr algn="ctr"/>
-              <a:endParaRPr lang="en-US"/>
-            </a:p>
-          </p:txBody>
-        </p:sp>
-        <p:sp>
-          <p:nvSpPr>
-            <p:cNvPr id="31" name="Rectangle 30"/>
-            <p:cNvSpPr/>
-            <p:nvPr/>
-          </p:nvSpPr>
-          <p:spPr>
-            <a:xfrm>
-              <a:off x="7351865" y="2794000"/>
-              <a:ext cx="1157135" cy="190500"/>
-            </a:xfrm>
-            <a:prstGeom prst="rect">
-              <a:avLst/>
-            </a:prstGeom>
-            <a:solidFill>
-              <a:srgbClr val="008000">
-                <a:alpha val="29000"/>
-              </a:srgbClr>
-            </a:solidFill>
-            <a:ln>
-              <a:noFill/>
-            </a:ln>
-          </p:spPr>
-          <p:style>
-            <a:lnRef idx="1">
-              <a:schemeClr val="accent1"/>
-            </a:lnRef>
-            <a:fillRef idx="3">
-              <a:schemeClr val="accent1"/>
-            </a:fillRef>
-            <a:effectRef idx="2">
-              <a:schemeClr val="accent1"/>
-            </a:effectRef>
-            <a:fontRef idx="minor">
-              <a:schemeClr val="lt1"/>
-            </a:fontRef>
-          </p:style>
-          <p:txBody>
-            <a:bodyPr rtlCol="0" anchor="ctr"/>
-            <a:lstStyle/>
-            <a:p>
-              <a:pPr algn="ctr"/>
-              <a:endParaRPr lang="en-US"/>
-            </a:p>
-          </p:txBody>
-        </p:sp>
-        <p:sp>
-          <p:nvSpPr>
-            <p:cNvPr id="32" name="Rectangle 31"/>
-            <p:cNvSpPr/>
-            <p:nvPr/>
-          </p:nvSpPr>
-          <p:spPr>
-            <a:xfrm>
-              <a:off x="5180165" y="3860800"/>
-              <a:ext cx="1284135" cy="190500"/>
-            </a:xfrm>
-            <a:prstGeom prst="rect">
-              <a:avLst/>
-            </a:prstGeom>
-            <a:solidFill>
-              <a:srgbClr val="008000">
-                <a:alpha val="29000"/>
-              </a:srgbClr>
-            </a:solidFill>
-            <a:ln>
-              <a:noFill/>
-            </a:ln>
-          </p:spPr>
-          <p:style>
-            <a:lnRef idx="1">
-              <a:schemeClr val="accent1"/>
-            </a:lnRef>
-            <a:fillRef idx="3">
-              <a:schemeClr val="accent1"/>
-            </a:fillRef>
-            <a:effectRef idx="2">
-              <a:schemeClr val="accent1"/>
-            </a:effectRef>
-            <a:fontRef idx="minor">
-              <a:schemeClr val="lt1"/>
-            </a:fontRef>
-          </p:style>
-          <p:txBody>
-            <a:bodyPr rtlCol="0" anchor="ctr"/>
-            <a:lstStyle/>
-            <a:p>
-              <a:pPr algn="ctr"/>
-              <a:endParaRPr lang="en-US"/>
-            </a:p>
-          </p:txBody>
-        </p:sp>
-        <p:sp>
-          <p:nvSpPr>
-            <p:cNvPr id="33" name="Rectangle 32"/>
-            <p:cNvSpPr/>
-            <p:nvPr/>
-          </p:nvSpPr>
-          <p:spPr>
-            <a:xfrm>
-              <a:off x="4858557" y="4064000"/>
-              <a:ext cx="1605743" cy="177800"/>
-            </a:xfrm>
-            <a:prstGeom prst="rect">
-              <a:avLst/>
-            </a:prstGeom>
-            <a:solidFill>
-              <a:srgbClr val="008000">
-                <a:alpha val="29000"/>
-              </a:srgbClr>
-            </a:solidFill>
-            <a:ln>
-              <a:noFill/>
-            </a:ln>
-          </p:spPr>
-          <p:style>
-            <a:lnRef idx="1">
-              <a:schemeClr val="accent1"/>
-            </a:lnRef>
-            <a:fillRef idx="3">
-              <a:schemeClr val="accent1"/>
-            </a:fillRef>
-            <a:effectRef idx="2">
-              <a:schemeClr val="accent1"/>
-            </a:effectRef>
-            <a:fontRef idx="minor">
-              <a:schemeClr val="lt1"/>
-            </a:fontRef>
-          </p:style>
-          <p:txBody>
-            <a:bodyPr rtlCol="0" anchor="ctr"/>
-            <a:lstStyle/>
-            <a:p>
-              <a:pPr algn="ctr"/>
-              <a:endParaRPr lang="en-US"/>
-            </a:p>
-          </p:txBody>
-        </p:sp>
       </p:grpSp>
-      <p:sp>
-        <p:nvSpPr>
-          <p:cNvPr id="39" name="TextBox 38"/>
-          <p:cNvSpPr txBox="1"/>
-          <p:nvPr/>
-        </p:nvSpPr>
-        <p:spPr>
-          <a:xfrm>
-            <a:off x="6292367" y="1895277"/>
-            <a:ext cx="1272579" cy="307777"/>
-          </a:xfrm>
-          <a:prstGeom prst="rect">
-            <a:avLst/>
-          </a:prstGeom>
-          <a:noFill/>
-        </p:spPr>
-        <p:txBody>
-          <a:bodyPr wrap="none" rtlCol="0">
-            <a:spAutoFit/>
-          </a:bodyPr>
-          <a:lstStyle/>
-          <a:p>
-            <a:r>
-              <a:rPr lang="en-US" sz="1400" dirty="0" smtClean="0">
-                <a:latin typeface="Arial Unicode MS"/>
-                <a:cs typeface="Arial Unicode MS"/>
-              </a:rPr>
-              <a:t>May 25, 2014</a:t>
-            </a:r>
-            <a:endParaRPr lang="en-US" sz="1400" dirty="0">
-              <a:latin typeface="Arial Unicode MS"/>
-              <a:cs typeface="Arial Unicode MS"/>
-            </a:endParaRPr>
-          </a:p>
-        </p:txBody>
-      </p:sp>
-      <p:cxnSp>
-        <p:nvCxnSpPr>
-          <p:cNvPr id="40" name="Straight Connector 39"/>
-          <p:cNvCxnSpPr/>
-          <p:nvPr/>
-        </p:nvCxnSpPr>
-        <p:spPr>
-          <a:xfrm>
-            <a:off x="4541057" y="1752600"/>
-            <a:ext cx="0" cy="127000"/>
-          </a:xfrm>
-          <a:prstGeom prst="line">
-            <a:avLst/>
-          </a:prstGeom>
-          <a:ln>
-            <a:solidFill>
-              <a:schemeClr val="accent1"/>
-            </a:solidFill>
-          </a:ln>
-          <a:effectLst/>
-        </p:spPr>
-        <p:style>
-          <a:lnRef idx="2">
-            <a:schemeClr val="accent1"/>
-          </a:lnRef>
-          <a:fillRef idx="0">
-            <a:schemeClr val="accent1"/>
-          </a:fillRef>
-          <a:effectRef idx="1">
-            <a:schemeClr val="accent1"/>
-          </a:effectRef>
-          <a:fontRef idx="minor">
-            <a:schemeClr val="tx1"/>
-          </a:fontRef>
-        </p:style>
-      </p:cxnSp>
     </p:spTree>
     <p:extLst>
       <p:ext uri="{BB962C8B-B14F-4D97-AF65-F5344CB8AC3E}">
